--- a/3_Documentos/Apresentação - Prevenção da Diabetes.pptx
+++ b/3_Documentos/Apresentação - Prevenção da Diabetes.pptx
@@ -25,7 +25,7 @@
   <p:notesSz cx="6858000" cy="9144000"/>
   <p:defaultTextStyle>
     <a:defPPr rtl="0">
-      <a:defRPr lang="pt-br"/>
+      <a:defRPr lang="pt-BR"/>
     </a:defPPr>
     <a:lvl1pPr marL="0" algn="l" defTabSz="914400" rtl="0" eaLnBrk="1" latinLnBrk="0" hangingPunct="1">
       <a:defRPr sz="1800" kern="1200">
@@ -120,10 +120,10 @@
   </p:defaultTextStyle>
   <p:extLst>
     <p:ext uri="{EFAFB233-063F-42B5-8137-9DF3F51BA10A}">
-      <p15:sldGuideLst xmlns:p15="http://schemas.microsoft.com/office/powerpoint/2012/main"/>
+      <p15:sldGuideLst xmlns:p15="http://schemas.microsoft.com/office/powerpoint/2012/main" xmlns=""/>
     </p:ext>
     <p:ext uri="{2D200454-40CA-4A62-9FC3-DE9A4176ACB9}">
-      <p15:notesGuideLst xmlns:p15="http://schemas.microsoft.com/office/powerpoint/2012/main"/>
+      <p15:notesGuideLst xmlns:p15="http://schemas.microsoft.com/office/powerpoint/2012/main" xmlns=""/>
     </p:ext>
   </p:extLst>
 </p:presentation>
@@ -3116,6 +3116,13 @@
         </dgm:presLayoutVars>
       </dgm:prSet>
       <dgm:spPr/>
+      <dgm:t>
+        <a:bodyPr/>
+        <a:lstStyle/>
+        <a:p>
+          <a:endParaRPr lang="pt-BR"/>
+        </a:p>
+      </dgm:t>
     </dgm:pt>
     <dgm:pt modelId="{269EDA1F-CCFA-444A-8BC9-DF21C7BE333A}" type="pres">
       <dgm:prSet presAssocID="{7685B030-20D5-430A-BD18-CA67DC00C592}" presName="composite" presStyleCnt="0"/>
@@ -3129,6 +3136,13 @@
         </dgm:presLayoutVars>
       </dgm:prSet>
       <dgm:spPr/>
+      <dgm:t>
+        <a:bodyPr/>
+        <a:lstStyle/>
+        <a:p>
+          <a:endParaRPr lang="pt-BR"/>
+        </a:p>
+      </dgm:t>
     </dgm:pt>
     <dgm:pt modelId="{75CA264B-B27B-4A4D-95FE-95823BA151CA}" type="pres">
       <dgm:prSet presAssocID="{7685B030-20D5-430A-BD18-CA67DC00C592}" presName="descendantText" presStyleLbl="alignAcc1" presStyleIdx="0" presStyleCnt="5">
@@ -3137,6 +3151,13 @@
         </dgm:presLayoutVars>
       </dgm:prSet>
       <dgm:spPr/>
+      <dgm:t>
+        <a:bodyPr/>
+        <a:lstStyle/>
+        <a:p>
+          <a:endParaRPr lang="pt-BR"/>
+        </a:p>
+      </dgm:t>
     </dgm:pt>
     <dgm:pt modelId="{FEA4A0BA-3C62-4F37-A97B-3785FC0C2B76}" type="pres">
       <dgm:prSet presAssocID="{CFB36677-4363-4E89-84DC-F58874498864}" presName="sp" presStyleCnt="0"/>
@@ -3162,6 +3183,13 @@
           <a:avLst/>
         </a:prstGeom>
       </dgm:spPr>
+      <dgm:t>
+        <a:bodyPr/>
+        <a:lstStyle/>
+        <a:p>
+          <a:endParaRPr lang="pt-BR"/>
+        </a:p>
+      </dgm:t>
     </dgm:pt>
     <dgm:pt modelId="{CBE6A19D-1055-426D-A5D6-F7EB35B90AAC}" type="pres">
       <dgm:prSet presAssocID="{42FF8A7B-A8C8-4794-9B35-628C0E373081}" presName="descendantText" presStyleLbl="alignAcc1" presStyleIdx="1" presStyleCnt="5">
@@ -3170,6 +3198,13 @@
         </dgm:presLayoutVars>
       </dgm:prSet>
       <dgm:spPr/>
+      <dgm:t>
+        <a:bodyPr/>
+        <a:lstStyle/>
+        <a:p>
+          <a:endParaRPr lang="pt-BR"/>
+        </a:p>
+      </dgm:t>
     </dgm:pt>
     <dgm:pt modelId="{5F0832EA-0F79-4F24-8E6A-A62DA2CA091F}" type="pres">
       <dgm:prSet presAssocID="{469A8E0C-0BB2-40A3-93F3-EA8750C6C52E}" presName="sp" presStyleCnt="0"/>
@@ -3195,6 +3230,13 @@
           <a:avLst/>
         </a:prstGeom>
       </dgm:spPr>
+      <dgm:t>
+        <a:bodyPr/>
+        <a:lstStyle/>
+        <a:p>
+          <a:endParaRPr lang="pt-BR"/>
+        </a:p>
+      </dgm:t>
     </dgm:pt>
     <dgm:pt modelId="{F69991B0-9C5C-44C8-BD20-BA503668CB62}" type="pres">
       <dgm:prSet presAssocID="{6A3326DE-C8B4-4924-92C1-47536B80CD6F}" presName="descendantText" presStyleLbl="alignAcc1" presStyleIdx="2" presStyleCnt="5">
@@ -3203,6 +3245,13 @@
         </dgm:presLayoutVars>
       </dgm:prSet>
       <dgm:spPr/>
+      <dgm:t>
+        <a:bodyPr/>
+        <a:lstStyle/>
+        <a:p>
+          <a:endParaRPr lang="pt-BR"/>
+        </a:p>
+      </dgm:t>
     </dgm:pt>
     <dgm:pt modelId="{3F7EE051-ED68-496A-BB3A-A8525F44D9BD}" type="pres">
       <dgm:prSet presAssocID="{BC7BD6EA-62CC-4D58-BEE5-2030D2CC21E8}" presName="sp" presStyleCnt="0"/>
@@ -3228,6 +3277,13 @@
           <a:avLst/>
         </a:prstGeom>
       </dgm:spPr>
+      <dgm:t>
+        <a:bodyPr/>
+        <a:lstStyle/>
+        <a:p>
+          <a:endParaRPr lang="pt-BR"/>
+        </a:p>
+      </dgm:t>
     </dgm:pt>
     <dgm:pt modelId="{DEF63FA4-5432-4707-ADC8-586754DF25F1}" type="pres">
       <dgm:prSet presAssocID="{5E138052-5AFB-4881-B55C-F5FDC822265C}" presName="descendantText" presStyleLbl="alignAcc1" presStyleIdx="3" presStyleCnt="5">
@@ -3244,6 +3300,13 @@
           <a:avLst/>
         </a:prstGeom>
       </dgm:spPr>
+      <dgm:t>
+        <a:bodyPr/>
+        <a:lstStyle/>
+        <a:p>
+          <a:endParaRPr lang="pt-BR"/>
+        </a:p>
+      </dgm:t>
     </dgm:pt>
     <dgm:pt modelId="{F30C9B03-92EC-41C5-936C-BCDE6837BD73}" type="pres">
       <dgm:prSet presAssocID="{7312D244-7C2B-467F-A4D5-1713C99F3E94}" presName="sp" presStyleCnt="0"/>
@@ -3269,6 +3332,13 @@
           <a:avLst/>
         </a:prstGeom>
       </dgm:spPr>
+      <dgm:t>
+        <a:bodyPr/>
+        <a:lstStyle/>
+        <a:p>
+          <a:endParaRPr lang="pt-BR"/>
+        </a:p>
+      </dgm:t>
     </dgm:pt>
     <dgm:pt modelId="{416C873A-FCB8-4AD7-B0C5-95EAC9F49B64}" type="pres">
       <dgm:prSet presAssocID="{2CFA2470-8FBA-4609-A1EB-458E9BB1FD1E}" presName="descendantText" presStyleLbl="alignAcc1" presStyleIdx="4" presStyleCnt="5">
@@ -3277,30 +3347,37 @@
         </dgm:presLayoutVars>
       </dgm:prSet>
       <dgm:spPr/>
+      <dgm:t>
+        <a:bodyPr/>
+        <a:lstStyle/>
+        <a:p>
+          <a:endParaRPr lang="pt-BR"/>
+        </a:p>
+      </dgm:t>
     </dgm:pt>
   </dgm:ptLst>
   <dgm:cxnLst>
+    <dgm:cxn modelId="{93D8A657-167B-4FD6-A4E8-A1BC9456748C}" srcId="{6A3326DE-C8B4-4924-92C1-47536B80CD6F}" destId="{932B09AD-B28A-4719-91D9-358F80E126E4}" srcOrd="0" destOrd="0" parTransId="{B5393ADC-1454-4978-AAD5-60558EC9D832}" sibTransId="{08C86BE7-850F-4605-96FC-EAE4294ED430}"/>
+    <dgm:cxn modelId="{253F2BAF-DA68-4371-A22A-B1BAE7387A61}" type="presOf" srcId="{56C7875F-B0F7-4A63-9C69-BF1558A2D1AD}" destId="{0F30EFA7-FE5A-48A4-AF2A-2F69F62D4DEE}" srcOrd="0" destOrd="0" presId="urn:microsoft.com/office/officeart/2005/8/layout/chevron2"/>
+    <dgm:cxn modelId="{52D126C9-2B1B-4D33-9799-DAA5808C4F39}" srcId="{56C7875F-B0F7-4A63-9C69-BF1558A2D1AD}" destId="{7685B030-20D5-430A-BD18-CA67DC00C592}" srcOrd="0" destOrd="0" parTransId="{70833CAE-91AB-4B4D-8F65-6E7312B52DB8}" sibTransId="{CFB36677-4363-4E89-84DC-F58874498864}"/>
+    <dgm:cxn modelId="{2C7E5192-3C28-48D8-9351-9E7659B2ADE7}" srcId="{56C7875F-B0F7-4A63-9C69-BF1558A2D1AD}" destId="{6A3326DE-C8B4-4924-92C1-47536B80CD6F}" srcOrd="2" destOrd="0" parTransId="{90DB89D3-8FC3-4016-AFA6-31B31E2CF9C5}" sibTransId="{BC7BD6EA-62CC-4D58-BEE5-2030D2CC21E8}"/>
+    <dgm:cxn modelId="{718D677F-ED42-4861-99D8-CAB1165A2C2D}" srcId="{56C7875F-B0F7-4A63-9C69-BF1558A2D1AD}" destId="{42FF8A7B-A8C8-4794-9B35-628C0E373081}" srcOrd="1" destOrd="0" parTransId="{C9A2DB6B-5605-4D59-AA08-28AC1D3E12BB}" sibTransId="{469A8E0C-0BB2-40A3-93F3-EA8750C6C52E}"/>
+    <dgm:cxn modelId="{2B5795DE-8F9A-41FD-BA6B-BA421F2D4769}" srcId="{56C7875F-B0F7-4A63-9C69-BF1558A2D1AD}" destId="{2CFA2470-8FBA-4609-A1EB-458E9BB1FD1E}" srcOrd="4" destOrd="0" parTransId="{BDC25617-C611-4CFF-9453-697B83914B74}" sibTransId="{5C3DF6C8-D66B-4A7F-991A-3AB39889A864}"/>
+    <dgm:cxn modelId="{01A18AD7-5F69-4526-9BB3-80B1BE436699}" type="presOf" srcId="{225D2849-3044-47E1-907D-C9CC0634EE07}" destId="{CBE6A19D-1055-426D-A5D6-F7EB35B90AAC}" srcOrd="0" destOrd="0" presId="urn:microsoft.com/office/officeart/2005/8/layout/chevron2"/>
+    <dgm:cxn modelId="{F5631521-0188-468D-8B8F-8E9B822C9628}" type="presOf" srcId="{E5403CEC-6ADF-427C-BAE9-94EE2A490EBA}" destId="{75CA264B-B27B-4A4D-95FE-95823BA151CA}" srcOrd="0" destOrd="0" presId="urn:microsoft.com/office/officeart/2005/8/layout/chevron2"/>
+    <dgm:cxn modelId="{A25E97A6-E54D-4D79-AC8E-231C290D07F8}" srcId="{5E138052-5AFB-4881-B55C-F5FDC822265C}" destId="{57430B12-3B9A-4D42-ADF9-CCD7375C5497}" srcOrd="0" destOrd="0" parTransId="{594E8261-11C1-4316-96BE-11ADFE0EB466}" sibTransId="{E30EFCD7-5972-4754-8EBE-72CBC6BB102C}"/>
+    <dgm:cxn modelId="{BD311DE8-62DC-422D-8A10-D0C7FE59F536}" type="presOf" srcId="{7685B030-20D5-430A-BD18-CA67DC00C592}" destId="{C697947E-64C9-41FA-B790-267B06F5902A}" srcOrd="0" destOrd="0" presId="urn:microsoft.com/office/officeart/2005/8/layout/chevron2"/>
+    <dgm:cxn modelId="{44EA2BE5-23F0-48B2-9F2B-B2CD8F4D40AF}" srcId="{7685B030-20D5-430A-BD18-CA67DC00C592}" destId="{E5403CEC-6ADF-427C-BAE9-94EE2A490EBA}" srcOrd="0" destOrd="0" parTransId="{6F47AAF1-7556-48FA-8603-B62EADFB53DE}" sibTransId="{DBFB281E-D23D-4F0B-A2DB-8F89FE1D86F0}"/>
+    <dgm:cxn modelId="{BB04E1BB-1858-493D-BABB-0B36F0564B27}" type="presOf" srcId="{932B09AD-B28A-4719-91D9-358F80E126E4}" destId="{F69991B0-9C5C-44C8-BD20-BA503668CB62}" srcOrd="0" destOrd="0" presId="urn:microsoft.com/office/officeart/2005/8/layout/chevron2"/>
+    <dgm:cxn modelId="{A4D4AC64-C25F-4062-B67E-7C7727AB3231}" type="presOf" srcId="{2CFA2470-8FBA-4609-A1EB-458E9BB1FD1E}" destId="{E32B45EE-D20F-4B4D-868D-9842E2A6A084}" srcOrd="0" destOrd="0" presId="urn:microsoft.com/office/officeart/2005/8/layout/chevron2"/>
+    <dgm:cxn modelId="{20CE3F38-AC15-40E0-8FC6-9D76D7E54EC7}" type="presOf" srcId="{6A3326DE-C8B4-4924-92C1-47536B80CD6F}" destId="{415802D5-AB46-4293-A6E0-1B8C61733BDD}" srcOrd="0" destOrd="0" presId="urn:microsoft.com/office/officeart/2005/8/layout/chevron2"/>
+    <dgm:cxn modelId="{D14A5EAD-0653-4F31-A94A-C50DB7CC27CB}" srcId="{42FF8A7B-A8C8-4794-9B35-628C0E373081}" destId="{225D2849-3044-47E1-907D-C9CC0634EE07}" srcOrd="0" destOrd="0" parTransId="{C6DED780-5C13-457B-A747-EE22333B5070}" sibTransId="{724454F6-6F9B-46FF-8238-09DD33FF578C}"/>
+    <dgm:cxn modelId="{62701699-A9AC-41E9-BFC7-5A0AF452B992}" srcId="{56C7875F-B0F7-4A63-9C69-BF1558A2D1AD}" destId="{5E138052-5AFB-4881-B55C-F5FDC822265C}" srcOrd="3" destOrd="0" parTransId="{0894B8EC-72CA-4FC7-AF81-84404DAF1F10}" sibTransId="{7312D244-7C2B-467F-A4D5-1713C99F3E94}"/>
+    <dgm:cxn modelId="{EA1EA32D-EB07-4F54-8CE2-CACD4EECEAAA}" srcId="{2CFA2470-8FBA-4609-A1EB-458E9BB1FD1E}" destId="{92C3CC45-729E-492D-8551-F9CE6AFAB9D1}" srcOrd="0" destOrd="0" parTransId="{4DA8F592-0476-4EC5-9396-D79D75E08951}" sibTransId="{E78F3784-D0E6-46DC-9B1A-3B12883733FD}"/>
+    <dgm:cxn modelId="{0CA11D90-CD22-452D-B797-C24DC20E7D28}" type="presOf" srcId="{5E138052-5AFB-4881-B55C-F5FDC822265C}" destId="{80DAF915-B067-45F6-ADA6-D03414B315A2}" srcOrd="0" destOrd="0" presId="urn:microsoft.com/office/officeart/2005/8/layout/chevron2"/>
     <dgm:cxn modelId="{D6F8D919-8150-48DD-AFE8-EF256CC19E23}" type="presOf" srcId="{42FF8A7B-A8C8-4794-9B35-628C0E373081}" destId="{F88483D4-8FB4-41A4-A1F1-8F94A0655C2D}" srcOrd="0" destOrd="0" presId="urn:microsoft.com/office/officeart/2005/8/layout/chevron2"/>
-    <dgm:cxn modelId="{F5631521-0188-468D-8B8F-8E9B822C9628}" type="presOf" srcId="{E5403CEC-6ADF-427C-BAE9-94EE2A490EBA}" destId="{75CA264B-B27B-4A4D-95FE-95823BA151CA}" srcOrd="0" destOrd="0" presId="urn:microsoft.com/office/officeart/2005/8/layout/chevron2"/>
-    <dgm:cxn modelId="{EA1EA32D-EB07-4F54-8CE2-CACD4EECEAAA}" srcId="{2CFA2470-8FBA-4609-A1EB-458E9BB1FD1E}" destId="{92C3CC45-729E-492D-8551-F9CE6AFAB9D1}" srcOrd="0" destOrd="0" parTransId="{4DA8F592-0476-4EC5-9396-D79D75E08951}" sibTransId="{E78F3784-D0E6-46DC-9B1A-3B12883733FD}"/>
-    <dgm:cxn modelId="{20CE3F38-AC15-40E0-8FC6-9D76D7E54EC7}" type="presOf" srcId="{6A3326DE-C8B4-4924-92C1-47536B80CD6F}" destId="{415802D5-AB46-4293-A6E0-1B8C61733BDD}" srcOrd="0" destOrd="0" presId="urn:microsoft.com/office/officeart/2005/8/layout/chevron2"/>
-    <dgm:cxn modelId="{A4D4AC64-C25F-4062-B67E-7C7727AB3231}" type="presOf" srcId="{2CFA2470-8FBA-4609-A1EB-458E9BB1FD1E}" destId="{E32B45EE-D20F-4B4D-868D-9842E2A6A084}" srcOrd="0" destOrd="0" presId="urn:microsoft.com/office/officeart/2005/8/layout/chevron2"/>
-    <dgm:cxn modelId="{93D8A657-167B-4FD6-A4E8-A1BC9456748C}" srcId="{6A3326DE-C8B4-4924-92C1-47536B80CD6F}" destId="{932B09AD-B28A-4719-91D9-358F80E126E4}" srcOrd="0" destOrd="0" parTransId="{B5393ADC-1454-4978-AAD5-60558EC9D832}" sibTransId="{08C86BE7-850F-4605-96FC-EAE4294ED430}"/>
-    <dgm:cxn modelId="{718D677F-ED42-4861-99D8-CAB1165A2C2D}" srcId="{56C7875F-B0F7-4A63-9C69-BF1558A2D1AD}" destId="{42FF8A7B-A8C8-4794-9B35-628C0E373081}" srcOrd="1" destOrd="0" parTransId="{C9A2DB6B-5605-4D59-AA08-28AC1D3E12BB}" sibTransId="{469A8E0C-0BB2-40A3-93F3-EA8750C6C52E}"/>
-    <dgm:cxn modelId="{0CA11D90-CD22-452D-B797-C24DC20E7D28}" type="presOf" srcId="{5E138052-5AFB-4881-B55C-F5FDC822265C}" destId="{80DAF915-B067-45F6-ADA6-D03414B315A2}" srcOrd="0" destOrd="0" presId="urn:microsoft.com/office/officeart/2005/8/layout/chevron2"/>
     <dgm:cxn modelId="{CC439291-83CD-4B98-ADBE-885225952AC4}" type="presOf" srcId="{92C3CC45-729E-492D-8551-F9CE6AFAB9D1}" destId="{416C873A-FCB8-4AD7-B0C5-95EAC9F49B64}" srcOrd="0" destOrd="0" presId="urn:microsoft.com/office/officeart/2005/8/layout/chevron2"/>
-    <dgm:cxn modelId="{2C7E5192-3C28-48D8-9351-9E7659B2ADE7}" srcId="{56C7875F-B0F7-4A63-9C69-BF1558A2D1AD}" destId="{6A3326DE-C8B4-4924-92C1-47536B80CD6F}" srcOrd="2" destOrd="0" parTransId="{90DB89D3-8FC3-4016-AFA6-31B31E2CF9C5}" sibTransId="{BC7BD6EA-62CC-4D58-BEE5-2030D2CC21E8}"/>
     <dgm:cxn modelId="{E598C193-0EDF-4220-93A9-6302047AA23D}" type="presOf" srcId="{57430B12-3B9A-4D42-ADF9-CCD7375C5497}" destId="{DEF63FA4-5432-4707-ADC8-586754DF25F1}" srcOrd="0" destOrd="0" presId="urn:microsoft.com/office/officeart/2005/8/layout/chevron2"/>
-    <dgm:cxn modelId="{62701699-A9AC-41E9-BFC7-5A0AF452B992}" srcId="{56C7875F-B0F7-4A63-9C69-BF1558A2D1AD}" destId="{5E138052-5AFB-4881-B55C-F5FDC822265C}" srcOrd="3" destOrd="0" parTransId="{0894B8EC-72CA-4FC7-AF81-84404DAF1F10}" sibTransId="{7312D244-7C2B-467F-A4D5-1713C99F3E94}"/>
-    <dgm:cxn modelId="{A25E97A6-E54D-4D79-AC8E-231C290D07F8}" srcId="{5E138052-5AFB-4881-B55C-F5FDC822265C}" destId="{57430B12-3B9A-4D42-ADF9-CCD7375C5497}" srcOrd="0" destOrd="0" parTransId="{594E8261-11C1-4316-96BE-11ADFE0EB466}" sibTransId="{E30EFCD7-5972-4754-8EBE-72CBC6BB102C}"/>
-    <dgm:cxn modelId="{D14A5EAD-0653-4F31-A94A-C50DB7CC27CB}" srcId="{42FF8A7B-A8C8-4794-9B35-628C0E373081}" destId="{225D2849-3044-47E1-907D-C9CC0634EE07}" srcOrd="0" destOrd="0" parTransId="{C6DED780-5C13-457B-A747-EE22333B5070}" sibTransId="{724454F6-6F9B-46FF-8238-09DD33FF578C}"/>
-    <dgm:cxn modelId="{253F2BAF-DA68-4371-A22A-B1BAE7387A61}" type="presOf" srcId="{56C7875F-B0F7-4A63-9C69-BF1558A2D1AD}" destId="{0F30EFA7-FE5A-48A4-AF2A-2F69F62D4DEE}" srcOrd="0" destOrd="0" presId="urn:microsoft.com/office/officeart/2005/8/layout/chevron2"/>
-    <dgm:cxn modelId="{BB04E1BB-1858-493D-BABB-0B36F0564B27}" type="presOf" srcId="{932B09AD-B28A-4719-91D9-358F80E126E4}" destId="{F69991B0-9C5C-44C8-BD20-BA503668CB62}" srcOrd="0" destOrd="0" presId="urn:microsoft.com/office/officeart/2005/8/layout/chevron2"/>
-    <dgm:cxn modelId="{52D126C9-2B1B-4D33-9799-DAA5808C4F39}" srcId="{56C7875F-B0F7-4A63-9C69-BF1558A2D1AD}" destId="{7685B030-20D5-430A-BD18-CA67DC00C592}" srcOrd="0" destOrd="0" parTransId="{70833CAE-91AB-4B4D-8F65-6E7312B52DB8}" sibTransId="{CFB36677-4363-4E89-84DC-F58874498864}"/>
-    <dgm:cxn modelId="{01A18AD7-5F69-4526-9BB3-80B1BE436699}" type="presOf" srcId="{225D2849-3044-47E1-907D-C9CC0634EE07}" destId="{CBE6A19D-1055-426D-A5D6-F7EB35B90AAC}" srcOrd="0" destOrd="0" presId="urn:microsoft.com/office/officeart/2005/8/layout/chevron2"/>
-    <dgm:cxn modelId="{2B5795DE-8F9A-41FD-BA6B-BA421F2D4769}" srcId="{56C7875F-B0F7-4A63-9C69-BF1558A2D1AD}" destId="{2CFA2470-8FBA-4609-A1EB-458E9BB1FD1E}" srcOrd="4" destOrd="0" parTransId="{BDC25617-C611-4CFF-9453-697B83914B74}" sibTransId="{5C3DF6C8-D66B-4A7F-991A-3AB39889A864}"/>
-    <dgm:cxn modelId="{44EA2BE5-23F0-48B2-9F2B-B2CD8F4D40AF}" srcId="{7685B030-20D5-430A-BD18-CA67DC00C592}" destId="{E5403CEC-6ADF-427C-BAE9-94EE2A490EBA}" srcOrd="0" destOrd="0" parTransId="{6F47AAF1-7556-48FA-8603-B62EADFB53DE}" sibTransId="{DBFB281E-D23D-4F0B-A2DB-8F89FE1D86F0}"/>
-    <dgm:cxn modelId="{BD311DE8-62DC-422D-8A10-D0C7FE59F536}" type="presOf" srcId="{7685B030-20D5-430A-BD18-CA67DC00C592}" destId="{C697947E-64C9-41FA-B790-267B06F5902A}" srcOrd="0" destOrd="0" presId="urn:microsoft.com/office/officeart/2005/8/layout/chevron2"/>
     <dgm:cxn modelId="{01A39EDA-3618-4730-8056-561F3D441B6A}" type="presParOf" srcId="{0F30EFA7-FE5A-48A4-AF2A-2F69F62D4DEE}" destId="{269EDA1F-CCFA-444A-8BC9-DF21C7BE333A}" srcOrd="0" destOrd="0" presId="urn:microsoft.com/office/officeart/2005/8/layout/chevron2"/>
     <dgm:cxn modelId="{0D60342F-C2D8-4109-8115-F9273569E08C}" type="presParOf" srcId="{269EDA1F-CCFA-444A-8BC9-DF21C7BE333A}" destId="{C697947E-64C9-41FA-B790-267B06F5902A}" srcOrd="0" destOrd="0" presId="urn:microsoft.com/office/officeart/2005/8/layout/chevron2"/>
     <dgm:cxn modelId="{2B3956D9-56A4-4626-99D6-1CEBA34E1CE2}" type="presParOf" srcId="{269EDA1F-CCFA-444A-8BC9-DF21C7BE333A}" destId="{75CA264B-B27B-4A4D-95FE-95823BA151CA}" srcOrd="1" destOrd="0" presId="urn:microsoft.com/office/officeart/2005/8/layout/chevron2"/>
@@ -3534,6 +3611,13 @@
         </dgm:presLayoutVars>
       </dgm:prSet>
       <dgm:spPr/>
+      <dgm:t>
+        <a:bodyPr/>
+        <a:lstStyle/>
+        <a:p>
+          <a:endParaRPr lang="pt-BR"/>
+        </a:p>
+      </dgm:t>
     </dgm:pt>
     <dgm:pt modelId="{A5D61496-9D4F-4414-A838-5540709D5722}" type="pres">
       <dgm:prSet presAssocID="{B559F06D-61B5-4A8E-9DB7-D5901E919130}" presName="parentLin" presStyleCnt="0"/>
@@ -3542,6 +3626,13 @@
     <dgm:pt modelId="{2DEDD5DA-17DF-47BE-90DF-549F763B6BF6}" type="pres">
       <dgm:prSet presAssocID="{B559F06D-61B5-4A8E-9DB7-D5901E919130}" presName="parentLeftMargin" presStyleLbl="node1" presStyleIdx="0" presStyleCnt="5"/>
       <dgm:spPr/>
+      <dgm:t>
+        <a:bodyPr/>
+        <a:lstStyle/>
+        <a:p>
+          <a:endParaRPr lang="pt-BR"/>
+        </a:p>
+      </dgm:t>
     </dgm:pt>
     <dgm:pt modelId="{048FE4F7-E976-4AE2-8FB5-1BAFD87F74CB}" type="pres">
       <dgm:prSet presAssocID="{B559F06D-61B5-4A8E-9DB7-D5901E919130}" presName="parentText" presStyleLbl="node1" presStyleIdx="0" presStyleCnt="5">
@@ -3551,6 +3642,13 @@
         </dgm:presLayoutVars>
       </dgm:prSet>
       <dgm:spPr/>
+      <dgm:t>
+        <a:bodyPr/>
+        <a:lstStyle/>
+        <a:p>
+          <a:endParaRPr lang="pt-BR"/>
+        </a:p>
+      </dgm:t>
     </dgm:pt>
     <dgm:pt modelId="{BAD1A56B-733B-49D4-A101-146FDD82442F}" type="pres">
       <dgm:prSet presAssocID="{B559F06D-61B5-4A8E-9DB7-D5901E919130}" presName="negativeSpace" presStyleCnt="0"/>
@@ -3575,6 +3673,13 @@
     <dgm:pt modelId="{FE7991C7-D1F0-430A-92F5-DFD62788D279}" type="pres">
       <dgm:prSet presAssocID="{D376B5EB-E9B6-4EC8-A694-1B377307CAE3}" presName="parentLeftMargin" presStyleLbl="node1" presStyleIdx="0" presStyleCnt="5"/>
       <dgm:spPr/>
+      <dgm:t>
+        <a:bodyPr/>
+        <a:lstStyle/>
+        <a:p>
+          <a:endParaRPr lang="pt-BR"/>
+        </a:p>
+      </dgm:t>
     </dgm:pt>
     <dgm:pt modelId="{A85AD493-C454-46EE-94C3-DAB11C5E1907}" type="pres">
       <dgm:prSet presAssocID="{D376B5EB-E9B6-4EC8-A694-1B377307CAE3}" presName="parentText" presStyleLbl="node1" presStyleIdx="1" presStyleCnt="5">
@@ -3584,6 +3689,13 @@
         </dgm:presLayoutVars>
       </dgm:prSet>
       <dgm:spPr/>
+      <dgm:t>
+        <a:bodyPr/>
+        <a:lstStyle/>
+        <a:p>
+          <a:endParaRPr lang="pt-BR"/>
+        </a:p>
+      </dgm:t>
     </dgm:pt>
     <dgm:pt modelId="{7559E2DF-32E9-4121-B756-DC3F2877CFC6}" type="pres">
       <dgm:prSet presAssocID="{D376B5EB-E9B6-4EC8-A694-1B377307CAE3}" presName="negativeSpace" presStyleCnt="0"/>
@@ -3608,6 +3720,13 @@
     <dgm:pt modelId="{AB348770-9C2E-4713-B736-6DD5AAFE2383}" type="pres">
       <dgm:prSet presAssocID="{B0BAE592-8C8B-4881-AB20-FF21D63BB95E}" presName="parentLeftMargin" presStyleLbl="node1" presStyleIdx="1" presStyleCnt="5"/>
       <dgm:spPr/>
+      <dgm:t>
+        <a:bodyPr/>
+        <a:lstStyle/>
+        <a:p>
+          <a:endParaRPr lang="pt-BR"/>
+        </a:p>
+      </dgm:t>
     </dgm:pt>
     <dgm:pt modelId="{74B99545-648E-4DE3-A2BE-40277FF0A332}" type="pres">
       <dgm:prSet presAssocID="{B0BAE592-8C8B-4881-AB20-FF21D63BB95E}" presName="parentText" presStyleLbl="node1" presStyleIdx="2" presStyleCnt="5">
@@ -3617,6 +3736,13 @@
         </dgm:presLayoutVars>
       </dgm:prSet>
       <dgm:spPr/>
+      <dgm:t>
+        <a:bodyPr/>
+        <a:lstStyle/>
+        <a:p>
+          <a:endParaRPr lang="pt-BR"/>
+        </a:p>
+      </dgm:t>
     </dgm:pt>
     <dgm:pt modelId="{96149778-0B86-4A60-929B-703B7CD4162B}" type="pres">
       <dgm:prSet presAssocID="{B0BAE592-8C8B-4881-AB20-FF21D63BB95E}" presName="negativeSpace" presStyleCnt="0"/>
@@ -3641,6 +3767,13 @@
     <dgm:pt modelId="{96EB42A9-C4A8-4DA7-91C0-3595FC29D222}" type="pres">
       <dgm:prSet presAssocID="{F899282F-9C2C-40DF-82BA-DC6BC1E7AC4C}" presName="parentLeftMargin" presStyleLbl="node1" presStyleIdx="2" presStyleCnt="5"/>
       <dgm:spPr/>
+      <dgm:t>
+        <a:bodyPr/>
+        <a:lstStyle/>
+        <a:p>
+          <a:endParaRPr lang="pt-BR"/>
+        </a:p>
+      </dgm:t>
     </dgm:pt>
     <dgm:pt modelId="{ED2DD862-07D9-48EE-9F41-907E447A13EF}" type="pres">
       <dgm:prSet presAssocID="{F899282F-9C2C-40DF-82BA-DC6BC1E7AC4C}" presName="parentText" presStyleLbl="node1" presStyleIdx="3" presStyleCnt="5">
@@ -3650,6 +3783,13 @@
         </dgm:presLayoutVars>
       </dgm:prSet>
       <dgm:spPr/>
+      <dgm:t>
+        <a:bodyPr/>
+        <a:lstStyle/>
+        <a:p>
+          <a:endParaRPr lang="pt-BR"/>
+        </a:p>
+      </dgm:t>
     </dgm:pt>
     <dgm:pt modelId="{DA9AAAFE-DF08-467F-A059-BEA076924ABA}" type="pres">
       <dgm:prSet presAssocID="{F899282F-9C2C-40DF-82BA-DC6BC1E7AC4C}" presName="negativeSpace" presStyleCnt="0"/>
@@ -3674,6 +3814,13 @@
     <dgm:pt modelId="{E3E6DA1C-A04E-491F-A2D7-D42F872EF019}" type="pres">
       <dgm:prSet presAssocID="{F2BEFC1D-CF23-4B0D-8328-8742E7D68AA0}" presName="parentLeftMargin" presStyleLbl="node1" presStyleIdx="3" presStyleCnt="5"/>
       <dgm:spPr/>
+      <dgm:t>
+        <a:bodyPr/>
+        <a:lstStyle/>
+        <a:p>
+          <a:endParaRPr lang="pt-BR"/>
+        </a:p>
+      </dgm:t>
     </dgm:pt>
     <dgm:pt modelId="{7F26242E-7FE4-4995-9D1F-629DB3B0F9D7}" type="pres">
       <dgm:prSet presAssocID="{F2BEFC1D-CF23-4B0D-8328-8742E7D68AA0}" presName="parentText" presStyleLbl="node1" presStyleIdx="4" presStyleCnt="5">
@@ -3683,6 +3830,13 @@
         </dgm:presLayoutVars>
       </dgm:prSet>
       <dgm:spPr/>
+      <dgm:t>
+        <a:bodyPr/>
+        <a:lstStyle/>
+        <a:p>
+          <a:endParaRPr lang="pt-BR"/>
+        </a:p>
+      </dgm:t>
     </dgm:pt>
     <dgm:pt modelId="{0C544A13-980F-4942-94E1-FF11491D501B}" type="pres">
       <dgm:prSet presAssocID="{F2BEFC1D-CF23-4B0D-8328-8742E7D68AA0}" presName="negativeSpace" presStyleCnt="0"/>
@@ -3698,22 +3852,22 @@
     </dgm:pt>
   </dgm:ptLst>
   <dgm:cxnLst>
+    <dgm:cxn modelId="{10AC3F25-5FB1-4B2F-99AF-DC6B3595F439}" srcId="{AE7812B5-D74C-47C0-B052-F08B6E2907AD}" destId="{D376B5EB-E9B6-4EC8-A694-1B377307CAE3}" srcOrd="1" destOrd="0" parTransId="{3BF955BE-58D7-4221-8ADA-2DA114ADE0C7}" sibTransId="{8A54EEB5-F6CD-4BAD-9133-C2D66001F671}"/>
+    <dgm:cxn modelId="{A414767C-CCD7-4C3B-8CEC-5EFA64454546}" srcId="{AE7812B5-D74C-47C0-B052-F08B6E2907AD}" destId="{F899282F-9C2C-40DF-82BA-DC6BC1E7AC4C}" srcOrd="3" destOrd="0" parTransId="{40122207-006F-45CE-AF49-78E4CB3ABA90}" sibTransId="{7E7D3BA7-7DFA-4B0A-B0CE-80A29BCABFB0}"/>
+    <dgm:cxn modelId="{DAD7D4AF-5F6D-4D2B-BED6-677AC47B3C43}" srcId="{AE7812B5-D74C-47C0-B052-F08B6E2907AD}" destId="{F2BEFC1D-CF23-4B0D-8328-8742E7D68AA0}" srcOrd="4" destOrd="0" parTransId="{24082EDB-CD7A-4F08-B784-2572356A49D4}" sibTransId="{2AD53127-2D75-4CA4-BBB5-5551C2226C20}"/>
     <dgm:cxn modelId="{1974CC0D-784B-46D7-92A9-0E6E71DDBFF4}" type="presOf" srcId="{B0BAE592-8C8B-4881-AB20-FF21D63BB95E}" destId="{AB348770-9C2E-4713-B736-6DD5AAFE2383}" srcOrd="0" destOrd="0" presId="urn:microsoft.com/office/officeart/2005/8/layout/list1"/>
+    <dgm:cxn modelId="{004F2634-CA5C-41D3-8098-A31897E736B4}" type="presOf" srcId="{B559F06D-61B5-4A8E-9DB7-D5901E919130}" destId="{2DEDD5DA-17DF-47BE-90DF-549F763B6BF6}" srcOrd="0" destOrd="0" presId="urn:microsoft.com/office/officeart/2005/8/layout/list1"/>
+    <dgm:cxn modelId="{D751F4EA-6A96-4DA8-AB0D-19FBAEF770D6}" srcId="{AE7812B5-D74C-47C0-B052-F08B6E2907AD}" destId="{B559F06D-61B5-4A8E-9DB7-D5901E919130}" srcOrd="0" destOrd="0" parTransId="{62A4D294-5B7B-4F2C-B9BF-E1A9DF516310}" sibTransId="{C27F9565-3D03-486D-B408-D643A80A57CE}"/>
     <dgm:cxn modelId="{48B56E10-E2FA-4836-A1FC-1D879E4EFB84}" type="presOf" srcId="{F2BEFC1D-CF23-4B0D-8328-8742E7D68AA0}" destId="{7F26242E-7FE4-4995-9D1F-629DB3B0F9D7}" srcOrd="1" destOrd="0" presId="urn:microsoft.com/office/officeart/2005/8/layout/list1"/>
-    <dgm:cxn modelId="{10AC3F25-5FB1-4B2F-99AF-DC6B3595F439}" srcId="{AE7812B5-D74C-47C0-B052-F08B6E2907AD}" destId="{D376B5EB-E9B6-4EC8-A694-1B377307CAE3}" srcOrd="1" destOrd="0" parTransId="{3BF955BE-58D7-4221-8ADA-2DA114ADE0C7}" sibTransId="{8A54EEB5-F6CD-4BAD-9133-C2D66001F671}"/>
-    <dgm:cxn modelId="{004F2634-CA5C-41D3-8098-A31897E736B4}" type="presOf" srcId="{B559F06D-61B5-4A8E-9DB7-D5901E919130}" destId="{2DEDD5DA-17DF-47BE-90DF-549F763B6BF6}" srcOrd="0" destOrd="0" presId="urn:microsoft.com/office/officeart/2005/8/layout/list1"/>
+    <dgm:cxn modelId="{70B3FA49-E610-48EB-B6A5-DC6939ADAA6A}" type="presOf" srcId="{AE7812B5-D74C-47C0-B052-F08B6E2907AD}" destId="{60A70BFF-82F8-40B6-8482-5CF160EAA23D}" srcOrd="0" destOrd="0" presId="urn:microsoft.com/office/officeart/2005/8/layout/list1"/>
+    <dgm:cxn modelId="{332ACA7F-6E1B-4487-9118-622E8DAC89A7}" type="presOf" srcId="{B0BAE592-8C8B-4881-AB20-FF21D63BB95E}" destId="{74B99545-648E-4DE3-A2BE-40277FF0A332}" srcOrd="1" destOrd="0" presId="urn:microsoft.com/office/officeart/2005/8/layout/list1"/>
+    <dgm:cxn modelId="{F6D09192-76CB-404C-8596-0A1FFC9B00F7}" type="presOf" srcId="{B559F06D-61B5-4A8E-9DB7-D5901E919130}" destId="{048FE4F7-E976-4AE2-8FB5-1BAFD87F74CB}" srcOrd="1" destOrd="0" presId="urn:microsoft.com/office/officeart/2005/8/layout/list1"/>
+    <dgm:cxn modelId="{F695C28B-5453-4956-9C24-DDD51CC1E725}" type="presOf" srcId="{F899282F-9C2C-40DF-82BA-DC6BC1E7AC4C}" destId="{ED2DD862-07D9-48EE-9F41-907E447A13EF}" srcOrd="1" destOrd="0" presId="urn:microsoft.com/office/officeart/2005/8/layout/list1"/>
+    <dgm:cxn modelId="{676CC579-7BB1-4D55-A47A-C34772A67D12}" type="presOf" srcId="{F2BEFC1D-CF23-4B0D-8328-8742E7D68AA0}" destId="{E3E6DA1C-A04E-491F-A2D7-D42F872EF019}" srcOrd="0" destOrd="0" presId="urn:microsoft.com/office/officeart/2005/8/layout/list1"/>
+    <dgm:cxn modelId="{83EBC5FE-6DDF-4601-ABDD-F6682854CAA7}" type="presOf" srcId="{D376B5EB-E9B6-4EC8-A694-1B377307CAE3}" destId="{FE7991C7-D1F0-430A-92F5-DFD62788D279}" srcOrd="0" destOrd="0" presId="urn:microsoft.com/office/officeart/2005/8/layout/list1"/>
     <dgm:cxn modelId="{51ACED3D-4F25-4D76-9612-517B08503746}" type="presOf" srcId="{D376B5EB-E9B6-4EC8-A694-1B377307CAE3}" destId="{A85AD493-C454-46EE-94C3-DAB11C5E1907}" srcOrd="1" destOrd="0" presId="urn:microsoft.com/office/officeart/2005/8/layout/list1"/>
-    <dgm:cxn modelId="{70B3FA49-E610-48EB-B6A5-DC6939ADAA6A}" type="presOf" srcId="{AE7812B5-D74C-47C0-B052-F08B6E2907AD}" destId="{60A70BFF-82F8-40B6-8482-5CF160EAA23D}" srcOrd="0" destOrd="0" presId="urn:microsoft.com/office/officeart/2005/8/layout/list1"/>
-    <dgm:cxn modelId="{676CC579-7BB1-4D55-A47A-C34772A67D12}" type="presOf" srcId="{F2BEFC1D-CF23-4B0D-8328-8742E7D68AA0}" destId="{E3E6DA1C-A04E-491F-A2D7-D42F872EF019}" srcOrd="0" destOrd="0" presId="urn:microsoft.com/office/officeart/2005/8/layout/list1"/>
-    <dgm:cxn modelId="{A414767C-CCD7-4C3B-8CEC-5EFA64454546}" srcId="{AE7812B5-D74C-47C0-B052-F08B6E2907AD}" destId="{F899282F-9C2C-40DF-82BA-DC6BC1E7AC4C}" srcOrd="3" destOrd="0" parTransId="{40122207-006F-45CE-AF49-78E4CB3ABA90}" sibTransId="{7E7D3BA7-7DFA-4B0A-B0CE-80A29BCABFB0}"/>
-    <dgm:cxn modelId="{332ACA7F-6E1B-4487-9118-622E8DAC89A7}" type="presOf" srcId="{B0BAE592-8C8B-4881-AB20-FF21D63BB95E}" destId="{74B99545-648E-4DE3-A2BE-40277FF0A332}" srcOrd="1" destOrd="0" presId="urn:microsoft.com/office/officeart/2005/8/layout/list1"/>
-    <dgm:cxn modelId="{F695C28B-5453-4956-9C24-DDD51CC1E725}" type="presOf" srcId="{F899282F-9C2C-40DF-82BA-DC6BC1E7AC4C}" destId="{ED2DD862-07D9-48EE-9F41-907E447A13EF}" srcOrd="1" destOrd="0" presId="urn:microsoft.com/office/officeart/2005/8/layout/list1"/>
-    <dgm:cxn modelId="{F6D09192-76CB-404C-8596-0A1FFC9B00F7}" type="presOf" srcId="{B559F06D-61B5-4A8E-9DB7-D5901E919130}" destId="{048FE4F7-E976-4AE2-8FB5-1BAFD87F74CB}" srcOrd="1" destOrd="0" presId="urn:microsoft.com/office/officeart/2005/8/layout/list1"/>
-    <dgm:cxn modelId="{DAD7D4AF-5F6D-4D2B-BED6-677AC47B3C43}" srcId="{AE7812B5-D74C-47C0-B052-F08B6E2907AD}" destId="{F2BEFC1D-CF23-4B0D-8328-8742E7D68AA0}" srcOrd="4" destOrd="0" parTransId="{24082EDB-CD7A-4F08-B784-2572356A49D4}" sibTransId="{2AD53127-2D75-4CA4-BBB5-5551C2226C20}"/>
+    <dgm:cxn modelId="{7DD8CAE8-0579-4055-8370-530CFAE4ED06}" srcId="{AE7812B5-D74C-47C0-B052-F08B6E2907AD}" destId="{B0BAE592-8C8B-4881-AB20-FF21D63BB95E}" srcOrd="2" destOrd="0" parTransId="{5C3EC90F-B671-433B-905C-F8B9621C20C9}" sibTransId="{2B9054E5-1C40-4967-93CE-D2A2B6701BF2}"/>
     <dgm:cxn modelId="{C986C3D5-029D-4F51-8A3B-EDAB6E3DD3D5}" type="presOf" srcId="{F899282F-9C2C-40DF-82BA-DC6BC1E7AC4C}" destId="{96EB42A9-C4A8-4DA7-91C0-3595FC29D222}" srcOrd="0" destOrd="0" presId="urn:microsoft.com/office/officeart/2005/8/layout/list1"/>
-    <dgm:cxn modelId="{7DD8CAE8-0579-4055-8370-530CFAE4ED06}" srcId="{AE7812B5-D74C-47C0-B052-F08B6E2907AD}" destId="{B0BAE592-8C8B-4881-AB20-FF21D63BB95E}" srcOrd="2" destOrd="0" parTransId="{5C3EC90F-B671-433B-905C-F8B9621C20C9}" sibTransId="{2B9054E5-1C40-4967-93CE-D2A2B6701BF2}"/>
-    <dgm:cxn modelId="{D751F4EA-6A96-4DA8-AB0D-19FBAEF770D6}" srcId="{AE7812B5-D74C-47C0-B052-F08B6E2907AD}" destId="{B559F06D-61B5-4A8E-9DB7-D5901E919130}" srcOrd="0" destOrd="0" parTransId="{62A4D294-5B7B-4F2C-B9BF-E1A9DF516310}" sibTransId="{C27F9565-3D03-486D-B408-D643A80A57CE}"/>
-    <dgm:cxn modelId="{83EBC5FE-6DDF-4601-ABDD-F6682854CAA7}" type="presOf" srcId="{D376B5EB-E9B6-4EC8-A694-1B377307CAE3}" destId="{FE7991C7-D1F0-430A-92F5-DFD62788D279}" srcOrd="0" destOrd="0" presId="urn:microsoft.com/office/officeart/2005/8/layout/list1"/>
     <dgm:cxn modelId="{16995F65-86AA-4366-89E1-2F605572A102}" type="presParOf" srcId="{60A70BFF-82F8-40B6-8482-5CF160EAA23D}" destId="{A5D61496-9D4F-4414-A838-5540709D5722}" srcOrd="0" destOrd="0" presId="urn:microsoft.com/office/officeart/2005/8/layout/list1"/>
     <dgm:cxn modelId="{2F044959-1A78-427C-9029-ED0647B5C382}" type="presParOf" srcId="{A5D61496-9D4F-4414-A838-5540709D5722}" destId="{2DEDD5DA-17DF-47BE-90DF-549F763B6BF6}" srcOrd="0" destOrd="0" presId="urn:microsoft.com/office/officeart/2005/8/layout/list1"/>
     <dgm:cxn modelId="{1C28A2EE-1F30-4A1E-831C-5A8AECA78E0C}" type="presParOf" srcId="{A5D61496-9D4F-4414-A838-5540709D5722}" destId="{048FE4F7-E976-4AE2-8FB5-1BAFD87F74CB}" srcOrd="1" destOrd="0" presId="urn:microsoft.com/office/officeart/2005/8/layout/list1"/>
@@ -4172,6 +4326,13 @@
         </dgm:presLayoutVars>
       </dgm:prSet>
       <dgm:spPr/>
+      <dgm:t>
+        <a:bodyPr/>
+        <a:lstStyle/>
+        <a:p>
+          <a:endParaRPr lang="pt-BR"/>
+        </a:p>
+      </dgm:t>
     </dgm:pt>
     <dgm:pt modelId="{F0826536-DCAA-4063-BFB9-4645227B9732}" type="pres">
       <dgm:prSet presAssocID="{59A0B26A-2973-451B-9ADA-6468D9C1A82E}" presName="composite" presStyleCnt="0"/>
@@ -4195,6 +4356,13 @@
         </dgm:presLayoutVars>
       </dgm:prSet>
       <dgm:spPr/>
+      <dgm:t>
+        <a:bodyPr/>
+        <a:lstStyle/>
+        <a:p>
+          <a:endParaRPr lang="pt-BR"/>
+        </a:p>
+      </dgm:t>
     </dgm:pt>
     <dgm:pt modelId="{690A1E60-14A3-48E2-969A-2D37B614EB37}" type="pres">
       <dgm:prSet presAssocID="{59A0B26A-2973-451B-9ADA-6468D9C1A82E}" presName="desTx" presStyleLbl="revTx" presStyleIdx="0" presStyleCnt="5">
@@ -4205,6 +4373,13 @@
         </dgm:presLayoutVars>
       </dgm:prSet>
       <dgm:spPr/>
+      <dgm:t>
+        <a:bodyPr/>
+        <a:lstStyle/>
+        <a:p>
+          <a:endParaRPr lang="pt-BR"/>
+        </a:p>
+      </dgm:t>
     </dgm:pt>
     <dgm:pt modelId="{792BD85C-2D0D-4BF4-AF83-D8128B6A0BBD}" type="pres">
       <dgm:prSet presAssocID="{59A0B26A-2973-451B-9ADA-6468D9C1A82E}" presName="EmptyPlaceHolder" presStyleCnt="0"/>
@@ -4236,6 +4411,13 @@
         </dgm:presLayoutVars>
       </dgm:prSet>
       <dgm:spPr/>
+      <dgm:t>
+        <a:bodyPr/>
+        <a:lstStyle/>
+        <a:p>
+          <a:endParaRPr lang="pt-BR"/>
+        </a:p>
+      </dgm:t>
     </dgm:pt>
     <dgm:pt modelId="{76F87B8F-7B70-4B8F-BD86-BC83CD9F0297}" type="pres">
       <dgm:prSet presAssocID="{8159643A-818D-4545-AFE5-29FC064B1AAA}" presName="desTx" presStyleLbl="revTx" presStyleIdx="1" presStyleCnt="5">
@@ -4246,6 +4428,13 @@
         </dgm:presLayoutVars>
       </dgm:prSet>
       <dgm:spPr/>
+      <dgm:t>
+        <a:bodyPr/>
+        <a:lstStyle/>
+        <a:p>
+          <a:endParaRPr lang="pt-BR"/>
+        </a:p>
+      </dgm:t>
     </dgm:pt>
     <dgm:pt modelId="{05D16F6A-9EB7-4E55-B58D-6F5902C7CC80}" type="pres">
       <dgm:prSet presAssocID="{8159643A-818D-4545-AFE5-29FC064B1AAA}" presName="EmptyPlaceHolder" presStyleCnt="0"/>
@@ -4277,6 +4466,13 @@
         </dgm:presLayoutVars>
       </dgm:prSet>
       <dgm:spPr/>
+      <dgm:t>
+        <a:bodyPr/>
+        <a:lstStyle/>
+        <a:p>
+          <a:endParaRPr lang="pt-BR"/>
+        </a:p>
+      </dgm:t>
     </dgm:pt>
     <dgm:pt modelId="{499DECC5-47AF-4CB1-BCD3-F288444FFD05}" type="pres">
       <dgm:prSet presAssocID="{11173297-B697-4A11-9EAC-E45317C547A3}" presName="desTx" presStyleLbl="revTx" presStyleIdx="2" presStyleCnt="5">
@@ -4287,6 +4483,13 @@
         </dgm:presLayoutVars>
       </dgm:prSet>
       <dgm:spPr/>
+      <dgm:t>
+        <a:bodyPr/>
+        <a:lstStyle/>
+        <a:p>
+          <a:endParaRPr lang="pt-BR"/>
+        </a:p>
+      </dgm:t>
     </dgm:pt>
     <dgm:pt modelId="{303CC2BE-542F-4C56-82EF-DBD9BE5FA7D0}" type="pres">
       <dgm:prSet presAssocID="{11173297-B697-4A11-9EAC-E45317C547A3}" presName="EmptyPlaceHolder" presStyleCnt="0"/>
@@ -4318,6 +4521,13 @@
         </dgm:presLayoutVars>
       </dgm:prSet>
       <dgm:spPr/>
+      <dgm:t>
+        <a:bodyPr/>
+        <a:lstStyle/>
+        <a:p>
+          <a:endParaRPr lang="pt-BR"/>
+        </a:p>
+      </dgm:t>
     </dgm:pt>
     <dgm:pt modelId="{26E75E88-EED9-45B9-B2E1-7CF90983F84F}" type="pres">
       <dgm:prSet presAssocID="{D59A6E49-80F2-47F2-A3F1-A7D3C1042B7A}" presName="desTx" presStyleLbl="revTx" presStyleIdx="3" presStyleCnt="5">
@@ -4328,6 +4538,13 @@
         </dgm:presLayoutVars>
       </dgm:prSet>
       <dgm:spPr/>
+      <dgm:t>
+        <a:bodyPr/>
+        <a:lstStyle/>
+        <a:p>
+          <a:endParaRPr lang="pt-BR"/>
+        </a:p>
+      </dgm:t>
     </dgm:pt>
     <dgm:pt modelId="{0E310878-290E-4CDF-A224-A01279FC1395}" type="pres">
       <dgm:prSet presAssocID="{D59A6E49-80F2-47F2-A3F1-A7D3C1042B7A}" presName="EmptyPlaceHolder" presStyleCnt="0"/>
@@ -4359,6 +4576,13 @@
         </dgm:presLayoutVars>
       </dgm:prSet>
       <dgm:spPr/>
+      <dgm:t>
+        <a:bodyPr/>
+        <a:lstStyle/>
+        <a:p>
+          <a:endParaRPr lang="pt-BR"/>
+        </a:p>
+      </dgm:t>
     </dgm:pt>
     <dgm:pt modelId="{EEA84B30-BE1D-4937-8B3F-F60859618187}" type="pres">
       <dgm:prSet presAssocID="{8AE324F7-386D-45A2-868A-242E22B37484}" presName="desTx" presStyleLbl="revTx" presStyleIdx="4" presStyleCnt="5">
@@ -4369,6 +4593,13 @@
         </dgm:presLayoutVars>
       </dgm:prSet>
       <dgm:spPr/>
+      <dgm:t>
+        <a:bodyPr/>
+        <a:lstStyle/>
+        <a:p>
+          <a:endParaRPr lang="pt-BR"/>
+        </a:p>
+      </dgm:t>
     </dgm:pt>
     <dgm:pt modelId="{74B8F068-5875-4CEC-BBA5-2D4AFCF2A5DE}" type="pres">
       <dgm:prSet presAssocID="{8AE324F7-386D-45A2-868A-242E22B37484}" presName="EmptyPlaceHolder" presStyleCnt="0"/>
@@ -4376,26 +4607,26 @@
     </dgm:pt>
   </dgm:ptLst>
   <dgm:cxnLst>
-    <dgm:cxn modelId="{D9DD0A07-3DE1-4FDB-9228-533E0FAB48D9}" srcId="{AAD4E0A1-2FAA-4C4F-A963-A18676DD2709}" destId="{8159643A-818D-4545-AFE5-29FC064B1AAA}" srcOrd="1" destOrd="0" parTransId="{2AC99ED1-74BC-44F4-AB57-AD4179C7D85F}" sibTransId="{384C38D0-1DF9-4571-8437-3CD10BEF2AAE}"/>
+    <dgm:cxn modelId="{5ADCAFE7-EEA6-4BFA-9A5B-7E47089881FE}" type="presOf" srcId="{8159643A-818D-4545-AFE5-29FC064B1AAA}" destId="{E71F2D5D-B2F9-4DA3-A66A-9C6CCF024E35}" srcOrd="0" destOrd="0" presId="urn:microsoft.com/office/officeart/2016/7/layout/AccentHomeChevronProcess"/>
+    <dgm:cxn modelId="{F7EA216A-8EED-4AEA-8470-B1B8F045C9C9}" srcId="{11173297-B697-4A11-9EAC-E45317C547A3}" destId="{388BDCB2-DCDF-44F3-8324-AEB38FDDBDD1}" srcOrd="0" destOrd="0" parTransId="{37941136-BD0B-4BA2-AB30-C59B281AC064}" sibTransId="{3E43BD3A-DE7D-4F87-8DF8-BE45D9E99A98}"/>
+    <dgm:cxn modelId="{3558A59D-7369-44E9-904F-FA6F4D04C070}" srcId="{AAD4E0A1-2FAA-4C4F-A963-A18676DD2709}" destId="{8AE324F7-386D-45A2-868A-242E22B37484}" srcOrd="4" destOrd="0" parTransId="{234A76A7-017C-468D-B6C6-6AE5595F0A60}" sibTransId="{EC9BCBCD-EFC8-4290-B863-734E9A2158AC}"/>
     <dgm:cxn modelId="{9534A01A-7215-484A-B231-394DE85E33EE}" type="presOf" srcId="{8AE324F7-386D-45A2-868A-242E22B37484}" destId="{507DCF5B-980F-4E37-B5EB-2E84D9C6B52F}" srcOrd="0" destOrd="0" presId="urn:microsoft.com/office/officeart/2016/7/layout/AccentHomeChevronProcess"/>
-    <dgm:cxn modelId="{C7E7C71A-8D4E-49A3-870A-EF1B52EA7E44}" type="presOf" srcId="{388BDCB2-DCDF-44F3-8324-AEB38FDDBDD1}" destId="{499DECC5-47AF-4CB1-BCD3-F288444FFD05}" srcOrd="0" destOrd="0" presId="urn:microsoft.com/office/officeart/2016/7/layout/AccentHomeChevronProcess"/>
-    <dgm:cxn modelId="{5674DB32-52A8-4AD6-91A2-851D4F5D774E}" srcId="{8159643A-818D-4545-AFE5-29FC064B1AAA}" destId="{A5F3A565-F1A9-4263-BA1F-374C68AB041C}" srcOrd="0" destOrd="0" parTransId="{BC9CEAF5-0740-4D16-9B53-CFBE32998C15}" sibTransId="{E138BD27-CD5F-4B72-9EE7-AFCFDA324151}"/>
-    <dgm:cxn modelId="{3B4F2C34-A5FB-4876-BE0B-B329E5E0B605}" type="presOf" srcId="{F2C5946E-96AC-4D5A-B458-7D2B25514DE6}" destId="{EEA84B30-BE1D-4937-8B3F-F60859618187}" srcOrd="0" destOrd="0" presId="urn:microsoft.com/office/officeart/2016/7/layout/AccentHomeChevronProcess"/>
-    <dgm:cxn modelId="{EBCA9966-8EF2-49F3-972B-7D6EDBB39C81}" type="presOf" srcId="{11173297-B697-4A11-9EAC-E45317C547A3}" destId="{FCBE03BB-10EF-463F-ADE9-2490921E2F01}" srcOrd="0" destOrd="0" presId="urn:microsoft.com/office/officeart/2016/7/layout/AccentHomeChevronProcess"/>
-    <dgm:cxn modelId="{F7EA216A-8EED-4AEA-8470-B1B8F045C9C9}" srcId="{11173297-B697-4A11-9EAC-E45317C547A3}" destId="{388BDCB2-DCDF-44F3-8324-AEB38FDDBDD1}" srcOrd="0" destOrd="0" parTransId="{37941136-BD0B-4BA2-AB30-C59B281AC064}" sibTransId="{3E43BD3A-DE7D-4F87-8DF8-BE45D9E99A98}"/>
-    <dgm:cxn modelId="{60F2516C-41F3-4218-A1D1-062B64CCA51C}" srcId="{D59A6E49-80F2-47F2-A3F1-A7D3C1042B7A}" destId="{B37999E7-C394-42CA-9788-025667B2F148}" srcOrd="0" destOrd="0" parTransId="{4E4B7B64-9855-4792-8CF8-036E24B99347}" sibTransId="{B2DC8013-B540-4718-801F-00BFBC13037A}"/>
-    <dgm:cxn modelId="{3B32756D-B3E5-411D-8FF5-9443D03E0512}" srcId="{AAD4E0A1-2FAA-4C4F-A963-A18676DD2709}" destId="{59A0B26A-2973-451B-9ADA-6468D9C1A82E}" srcOrd="0" destOrd="0" parTransId="{485F4D2F-583A-4E49-8439-7E9505C9635E}" sibTransId="{82DF06A8-49E6-4C50-8190-748A5D28FD6E}"/>
-    <dgm:cxn modelId="{F30B326E-5A4C-40C9-B022-26DA52A304C3}" type="presOf" srcId="{59A0B26A-2973-451B-9ADA-6468D9C1A82E}" destId="{356E000D-F109-45EB-B501-4B78AA5C433C}" srcOrd="0" destOrd="0" presId="urn:microsoft.com/office/officeart/2016/7/layout/AccentHomeChevronProcess"/>
     <dgm:cxn modelId="{050C9254-2664-45D0-A7C0-16D1E600B953}" type="presOf" srcId="{D59A6E49-80F2-47F2-A3F1-A7D3C1042B7A}" destId="{8CE5514B-799A-4B97-A4CE-949CED117359}" srcOrd="0" destOrd="0" presId="urn:microsoft.com/office/officeart/2016/7/layout/AccentHomeChevronProcess"/>
     <dgm:cxn modelId="{F7E24D59-9532-4E70-A381-FD77E8E3792F}" srcId="{59A0B26A-2973-451B-9ADA-6468D9C1A82E}" destId="{EFA50C6C-022A-4BE7-B363-CC5944231205}" srcOrd="0" destOrd="0" parTransId="{2DCDB026-5A6D-4F6F-854C-5F88D23D2A99}" sibTransId="{1640FBF7-6D83-46D6-9A14-66833FCD0185}"/>
+    <dgm:cxn modelId="{C7E7C71A-8D4E-49A3-870A-EF1B52EA7E44}" type="presOf" srcId="{388BDCB2-DCDF-44F3-8324-AEB38FDDBDD1}" destId="{499DECC5-47AF-4CB1-BCD3-F288444FFD05}" srcOrd="0" destOrd="0" presId="urn:microsoft.com/office/officeart/2016/7/layout/AccentHomeChevronProcess"/>
+    <dgm:cxn modelId="{60F2516C-41F3-4218-A1D1-062B64CCA51C}" srcId="{D59A6E49-80F2-47F2-A3F1-A7D3C1042B7A}" destId="{B37999E7-C394-42CA-9788-025667B2F148}" srcOrd="0" destOrd="0" parTransId="{4E4B7B64-9855-4792-8CF8-036E24B99347}" sibTransId="{B2DC8013-B540-4718-801F-00BFBC13037A}"/>
+    <dgm:cxn modelId="{1DEAA8D5-09D4-43B8-9CE1-38F63628F861}" srcId="{AAD4E0A1-2FAA-4C4F-A963-A18676DD2709}" destId="{D59A6E49-80F2-47F2-A3F1-A7D3C1042B7A}" srcOrd="3" destOrd="0" parTransId="{0F0347E2-53BF-4AF0-BE04-E562E9D07F8C}" sibTransId="{7E011706-AE0C-4AA0-B690-E8284D94C1FB}"/>
+    <dgm:cxn modelId="{5674DB32-52A8-4AD6-91A2-851D4F5D774E}" srcId="{8159643A-818D-4545-AFE5-29FC064B1AAA}" destId="{A5F3A565-F1A9-4263-BA1F-374C68AB041C}" srcOrd="0" destOrd="0" parTransId="{BC9CEAF5-0740-4D16-9B53-CFBE32998C15}" sibTransId="{E138BD27-CD5F-4B72-9EE7-AFCFDA324151}"/>
     <dgm:cxn modelId="{BB331587-E8E0-4EB4-A73E-6C4FBC78406B}" type="presOf" srcId="{A5F3A565-F1A9-4263-BA1F-374C68AB041C}" destId="{76F87B8F-7B70-4B8F-BD86-BC83CD9F0297}" srcOrd="0" destOrd="0" presId="urn:microsoft.com/office/officeart/2016/7/layout/AccentHomeChevronProcess"/>
+    <dgm:cxn modelId="{EBCA9966-8EF2-49F3-972B-7D6EDBB39C81}" type="presOf" srcId="{11173297-B697-4A11-9EAC-E45317C547A3}" destId="{FCBE03BB-10EF-463F-ADE9-2490921E2F01}" srcOrd="0" destOrd="0" presId="urn:microsoft.com/office/officeart/2016/7/layout/AccentHomeChevronProcess"/>
+    <dgm:cxn modelId="{AEC3EBD0-1922-4FDA-8C9E-4E7A1D61E53D}" type="presOf" srcId="{AAD4E0A1-2FAA-4C4F-A963-A18676DD2709}" destId="{783BA2EA-8436-4CCE-A39E-6BCF5238143F}" srcOrd="0" destOrd="0" presId="urn:microsoft.com/office/officeart/2016/7/layout/AccentHomeChevronProcess"/>
+    <dgm:cxn modelId="{3B32756D-B3E5-411D-8FF5-9443D03E0512}" srcId="{AAD4E0A1-2FAA-4C4F-A963-A18676DD2709}" destId="{59A0B26A-2973-451B-9ADA-6468D9C1A82E}" srcOrd="0" destOrd="0" parTransId="{485F4D2F-583A-4E49-8439-7E9505C9635E}" sibTransId="{82DF06A8-49E6-4C50-8190-748A5D28FD6E}"/>
+    <dgm:cxn modelId="{D9DD0A07-3DE1-4FDB-9228-533E0FAB48D9}" srcId="{AAD4E0A1-2FAA-4C4F-A963-A18676DD2709}" destId="{8159643A-818D-4545-AFE5-29FC064B1AAA}" srcOrd="1" destOrd="0" parTransId="{2AC99ED1-74BC-44F4-AB57-AD4179C7D85F}" sibTransId="{384C38D0-1DF9-4571-8437-3CD10BEF2AAE}"/>
+    <dgm:cxn modelId="{F30B326E-5A4C-40C9-B022-26DA52A304C3}" type="presOf" srcId="{59A0B26A-2973-451B-9ADA-6468D9C1A82E}" destId="{356E000D-F109-45EB-B501-4B78AA5C433C}" srcOrd="0" destOrd="0" presId="urn:microsoft.com/office/officeart/2016/7/layout/AccentHomeChevronProcess"/>
+    <dgm:cxn modelId="{1AC5888B-5F0A-4CE7-8F69-58ACC0AA1100}" srcId="{8AE324F7-386D-45A2-868A-242E22B37484}" destId="{F2C5946E-96AC-4D5A-B458-7D2B25514DE6}" srcOrd="0" destOrd="0" parTransId="{00377DCE-90FB-46C7-8AA2-8160B9C8E411}" sibTransId="{A191672C-E826-4D12-AE04-B7C722E1DAD5}"/>
     <dgm:cxn modelId="{4A7EFD87-320F-45A4-8133-759E7A6020E6}" type="presOf" srcId="{B37999E7-C394-42CA-9788-025667B2F148}" destId="{26E75E88-EED9-45B9-B2E1-7CF90983F84F}" srcOrd="0" destOrd="0" presId="urn:microsoft.com/office/officeart/2016/7/layout/AccentHomeChevronProcess"/>
-    <dgm:cxn modelId="{1AC5888B-5F0A-4CE7-8F69-58ACC0AA1100}" srcId="{8AE324F7-386D-45A2-868A-242E22B37484}" destId="{F2C5946E-96AC-4D5A-B458-7D2B25514DE6}" srcOrd="0" destOrd="0" parTransId="{00377DCE-90FB-46C7-8AA2-8160B9C8E411}" sibTransId="{A191672C-E826-4D12-AE04-B7C722E1DAD5}"/>
-    <dgm:cxn modelId="{3558A59D-7369-44E9-904F-FA6F4D04C070}" srcId="{AAD4E0A1-2FAA-4C4F-A963-A18676DD2709}" destId="{8AE324F7-386D-45A2-868A-242E22B37484}" srcOrd="4" destOrd="0" parTransId="{234A76A7-017C-468D-B6C6-6AE5595F0A60}" sibTransId="{EC9BCBCD-EFC8-4290-B863-734E9A2158AC}"/>
+    <dgm:cxn modelId="{3B4F2C34-A5FB-4876-BE0B-B329E5E0B605}" type="presOf" srcId="{F2C5946E-96AC-4D5A-B458-7D2B25514DE6}" destId="{EEA84B30-BE1D-4937-8B3F-F60859618187}" srcOrd="0" destOrd="0" presId="urn:microsoft.com/office/officeart/2016/7/layout/AccentHomeChevronProcess"/>
     <dgm:cxn modelId="{0DCDD2B0-40B4-4FE3-97A4-E8F517D667FA}" type="presOf" srcId="{EFA50C6C-022A-4BE7-B363-CC5944231205}" destId="{690A1E60-14A3-48E2-969A-2D37B614EB37}" srcOrd="0" destOrd="0" presId="urn:microsoft.com/office/officeart/2016/7/layout/AccentHomeChevronProcess"/>
-    <dgm:cxn modelId="{AEC3EBD0-1922-4FDA-8C9E-4E7A1D61E53D}" type="presOf" srcId="{AAD4E0A1-2FAA-4C4F-A963-A18676DD2709}" destId="{783BA2EA-8436-4CCE-A39E-6BCF5238143F}" srcOrd="0" destOrd="0" presId="urn:microsoft.com/office/officeart/2016/7/layout/AccentHomeChevronProcess"/>
-    <dgm:cxn modelId="{1DEAA8D5-09D4-43B8-9CE1-38F63628F861}" srcId="{AAD4E0A1-2FAA-4C4F-A963-A18676DD2709}" destId="{D59A6E49-80F2-47F2-A3F1-A7D3C1042B7A}" srcOrd="3" destOrd="0" parTransId="{0F0347E2-53BF-4AF0-BE04-E562E9D07F8C}" sibTransId="{7E011706-AE0C-4AA0-B690-E8284D94C1FB}"/>
-    <dgm:cxn modelId="{5ADCAFE7-EEA6-4BFA-9A5B-7E47089881FE}" type="presOf" srcId="{8159643A-818D-4545-AFE5-29FC064B1AAA}" destId="{E71F2D5D-B2F9-4DA3-A66A-9C6CCF024E35}" srcOrd="0" destOrd="0" presId="urn:microsoft.com/office/officeart/2016/7/layout/AccentHomeChevronProcess"/>
     <dgm:cxn modelId="{6C7779F4-FD69-4B67-B910-A8608F5BFD91}" srcId="{AAD4E0A1-2FAA-4C4F-A963-A18676DD2709}" destId="{11173297-B697-4A11-9EAC-E45317C547A3}" srcOrd="2" destOrd="0" parTransId="{04B33EEE-24D9-46D5-87A7-153B2EA6E29D}" sibTransId="{F44242F6-86F1-4EA1-8BA3-3748696B9D36}"/>
     <dgm:cxn modelId="{6611D126-9F3D-4D3A-AAF3-BB5655B14647}" type="presParOf" srcId="{783BA2EA-8436-4CCE-A39E-6BCF5238143F}" destId="{F0826536-DCAA-4063-BFB9-4645227B9732}" srcOrd="0" destOrd="0" presId="urn:microsoft.com/office/officeart/2016/7/layout/AccentHomeChevronProcess"/>
     <dgm:cxn modelId="{85796E44-494A-4150-B35F-33B1B9A5FF16}" type="presParOf" srcId="{F0826536-DCAA-4063-BFB9-4645227B9732}" destId="{E3149CA8-F730-4485-B25A-C15A62708F74}" srcOrd="0" destOrd="0" presId="urn:microsoft.com/office/officeart/2016/7/layout/AccentHomeChevronProcess"/>
@@ -4499,7 +4730,7 @@
         </a:bodyPr>
         <a:lstStyle/>
         <a:p>
-          <a:pPr marL="0" lvl="0" indent="0" algn="ctr" defTabSz="1066800">
+          <a:pPr lvl="0" algn="ctr" defTabSz="1066800">
             <a:lnSpc>
               <a:spcPct val="90000"/>
             </a:lnSpc>
@@ -4509,7 +4740,6 @@
             <a:spcAft>
               <a:spcPct val="35000"/>
             </a:spcAft>
-            <a:buNone/>
           </a:pPr>
           <a:r>
             <a:rPr lang="pt-BR" sz="2400" b="1" kern="1200" dirty="0"/>
@@ -4586,7 +4816,7 @@
               <a:spcPct val="15000"/>
             </a:spcAft>
             <a:buFont typeface="+mj-lt"/>
-            <a:buNone/>
+            <a:buChar char="••"/>
           </a:pPr>
           <a:r>
             <a:rPr lang="pt-BR" sz="2800" b="1" kern="1200" dirty="0">
@@ -4779,7 +5009,7 @@
               <a:spcPct val="15000"/>
             </a:spcAft>
             <a:buFont typeface="+mj-lt"/>
-            <a:buNone/>
+            <a:buChar char="••"/>
           </a:pPr>
           <a:r>
             <a:rPr lang="pt-BR" sz="2800" b="1" kern="1200" dirty="0">
@@ -4995,7 +5225,7 @@
               <a:spcPct val="15000"/>
             </a:spcAft>
             <a:buFont typeface="+mj-lt"/>
-            <a:buNone/>
+            <a:buChar char="••"/>
           </a:pPr>
           <a:r>
             <a:rPr lang="pt-BR" sz="2800" b="1" kern="1200" dirty="0">
@@ -5188,7 +5418,7 @@
               <a:spcPct val="15000"/>
             </a:spcAft>
             <a:buFont typeface="+mj-lt"/>
-            <a:buNone/>
+            <a:buChar char="••"/>
           </a:pPr>
           <a:r>
             <a:rPr lang="pt-BR" sz="2800" b="1" kern="1200" dirty="0">
@@ -5380,7 +5610,7 @@
             <a:spcAft>
               <a:spcPct val="15000"/>
             </a:spcAft>
-            <a:buNone/>
+            <a:buChar char="••"/>
           </a:pPr>
           <a:r>
             <a:rPr lang="pt-BR" sz="2800" b="1" kern="1200" dirty="0">
@@ -5514,7 +5744,7 @@
         </a:bodyPr>
         <a:lstStyle/>
         <a:p>
-          <a:pPr marL="0" lvl="0" indent="0" algn="l" defTabSz="933450">
+          <a:pPr lvl="0" algn="l" defTabSz="933450">
             <a:lnSpc>
               <a:spcPct val="90000"/>
             </a:lnSpc>
@@ -5524,7 +5754,6 @@
             <a:spcAft>
               <a:spcPct val="35000"/>
             </a:spcAft>
-            <a:buNone/>
           </a:pPr>
           <a:r>
             <a:rPr lang="pt-BR" sz="2100" kern="1200" dirty="0"/>
@@ -5639,7 +5868,7 @@
         </a:bodyPr>
         <a:lstStyle/>
         <a:p>
-          <a:pPr marL="0" lvl="0" indent="0" algn="l" defTabSz="933450">
+          <a:pPr lvl="0" algn="l" defTabSz="933450">
             <a:lnSpc>
               <a:spcPct val="90000"/>
             </a:lnSpc>
@@ -5649,7 +5878,6 @@
             <a:spcAft>
               <a:spcPct val="35000"/>
             </a:spcAft>
-            <a:buNone/>
           </a:pPr>
           <a:r>
             <a:rPr lang="pt-BR" sz="2100" kern="1200" dirty="0"/>
@@ -5764,7 +5992,7 @@
         </a:bodyPr>
         <a:lstStyle/>
         <a:p>
-          <a:pPr marL="0" lvl="0" indent="0" algn="l" defTabSz="933450">
+          <a:pPr lvl="0" algn="l" defTabSz="933450">
             <a:lnSpc>
               <a:spcPct val="90000"/>
             </a:lnSpc>
@@ -5774,7 +6002,6 @@
             <a:spcAft>
               <a:spcPct val="35000"/>
             </a:spcAft>
-            <a:buNone/>
           </a:pPr>
           <a:r>
             <a:rPr lang="pt-BR" sz="2100" kern="1200" dirty="0"/>
@@ -5889,7 +6116,7 @@
         </a:bodyPr>
         <a:lstStyle/>
         <a:p>
-          <a:pPr marL="0" lvl="0" indent="0" algn="l" defTabSz="933450">
+          <a:pPr lvl="0" algn="l" defTabSz="933450">
             <a:lnSpc>
               <a:spcPct val="90000"/>
             </a:lnSpc>
@@ -5899,7 +6126,6 @@
             <a:spcAft>
               <a:spcPct val="35000"/>
             </a:spcAft>
-            <a:buNone/>
           </a:pPr>
           <a:r>
             <a:rPr lang="pt-BR" sz="2100" kern="1200" dirty="0"/>
@@ -6014,7 +6240,7 @@
         </a:bodyPr>
         <a:lstStyle/>
         <a:p>
-          <a:pPr marL="0" lvl="0" indent="0" algn="l" defTabSz="933450">
+          <a:pPr lvl="0" algn="l" defTabSz="933450">
             <a:lnSpc>
               <a:spcPct val="90000"/>
             </a:lnSpc>
@@ -6024,7 +6250,6 @@
             <a:spcAft>
               <a:spcPct val="35000"/>
             </a:spcAft>
-            <a:buNone/>
           </a:pPr>
           <a:r>
             <a:rPr lang="pt-BR" sz="2100" kern="1200" dirty="0"/>
@@ -6155,7 +6380,7 @@
         </a:bodyPr>
         <a:lstStyle/>
         <a:p>
-          <a:pPr marL="0" lvl="0" indent="0" algn="ctr" defTabSz="622300" rtl="0">
+          <a:pPr lvl="0" algn="ctr" defTabSz="622300" rtl="0">
             <a:lnSpc>
               <a:spcPct val="90000"/>
             </a:lnSpc>
@@ -6165,7 +6390,6 @@
             <a:spcAft>
               <a:spcPct val="35000"/>
             </a:spcAft>
-            <a:buNone/>
           </a:pPr>
           <a:r>
             <a:rPr lang="pt-BR" sz="1400" kern="1200" noProof="0" dirty="0"/>
@@ -6215,7 +6439,7 @@
         </a:bodyPr>
         <a:lstStyle/>
         <a:p>
-          <a:pPr marL="0" lvl="0" indent="0" algn="l" defTabSz="622300" rtl="0">
+          <a:pPr lvl="0" algn="l" defTabSz="622300" rtl="0">
             <a:lnSpc>
               <a:spcPct val="90000"/>
             </a:lnSpc>
@@ -6225,7 +6449,6 @@
             <a:spcAft>
               <a:spcPct val="35000"/>
             </a:spcAft>
-            <a:buNone/>
           </a:pPr>
           <a:r>
             <a:rPr lang="pt-BR" sz="1400" kern="1200" noProof="0" dirty="0"/>
@@ -6344,7 +6567,7 @@
         </a:bodyPr>
         <a:lstStyle/>
         <a:p>
-          <a:pPr marL="0" lvl="0" indent="0" algn="ctr" defTabSz="622300" rtl="0">
+          <a:pPr lvl="0" algn="ctr" defTabSz="622300" rtl="0">
             <a:lnSpc>
               <a:spcPct val="90000"/>
             </a:lnSpc>
@@ -6354,7 +6577,6 @@
             <a:spcAft>
               <a:spcPct val="35000"/>
             </a:spcAft>
-            <a:buNone/>
           </a:pPr>
           <a:r>
             <a:rPr lang="pt-BR" sz="1400" kern="1200" noProof="0" dirty="0"/>
@@ -6404,7 +6626,7 @@
         </a:bodyPr>
         <a:lstStyle/>
         <a:p>
-          <a:pPr marL="0" lvl="0" indent="0" algn="l" defTabSz="622300" rtl="0">
+          <a:pPr lvl="0" algn="l" defTabSz="622300" rtl="0">
             <a:lnSpc>
               <a:spcPct val="90000"/>
             </a:lnSpc>
@@ -6414,7 +6636,6 @@
             <a:spcAft>
               <a:spcPct val="35000"/>
             </a:spcAft>
-            <a:buNone/>
           </a:pPr>
           <a:r>
             <a:rPr lang="pt-BR" sz="1400" kern="1200" noProof="0" dirty="0"/>
@@ -6533,7 +6754,7 @@
         </a:bodyPr>
         <a:lstStyle/>
         <a:p>
-          <a:pPr marL="0" lvl="0" indent="0" algn="ctr" defTabSz="622300" rtl="0">
+          <a:pPr lvl="0" algn="ctr" defTabSz="622300" rtl="0">
             <a:lnSpc>
               <a:spcPct val="90000"/>
             </a:lnSpc>
@@ -6543,7 +6764,6 @@
             <a:spcAft>
               <a:spcPct val="35000"/>
             </a:spcAft>
-            <a:buNone/>
           </a:pPr>
           <a:r>
             <a:rPr lang="pt-BR" sz="1400" kern="1200" noProof="0" dirty="0"/>
@@ -6593,7 +6813,7 @@
         </a:bodyPr>
         <a:lstStyle/>
         <a:p>
-          <a:pPr marL="0" lvl="0" indent="0" algn="l" defTabSz="622300" rtl="0">
+          <a:pPr lvl="0" algn="l" defTabSz="622300" rtl="0">
             <a:lnSpc>
               <a:spcPct val="90000"/>
             </a:lnSpc>
@@ -6603,7 +6823,6 @@
             <a:spcAft>
               <a:spcPct val="35000"/>
             </a:spcAft>
-            <a:buNone/>
           </a:pPr>
           <a:r>
             <a:rPr lang="pt-BR" sz="1400" kern="1200" noProof="0" dirty="0"/>
@@ -6722,7 +6941,7 @@
         </a:bodyPr>
         <a:lstStyle/>
         <a:p>
-          <a:pPr marL="0" lvl="0" indent="0" algn="ctr" defTabSz="622300" rtl="0">
+          <a:pPr lvl="0" algn="ctr" defTabSz="622300" rtl="0">
             <a:lnSpc>
               <a:spcPct val="90000"/>
             </a:lnSpc>
@@ -6732,7 +6951,6 @@
             <a:spcAft>
               <a:spcPct val="35000"/>
             </a:spcAft>
-            <a:buNone/>
           </a:pPr>
           <a:r>
             <a:rPr lang="pt-BR" sz="1400" kern="1200" noProof="0" dirty="0"/>
@@ -6782,7 +7000,7 @@
         </a:bodyPr>
         <a:lstStyle/>
         <a:p>
-          <a:pPr marL="0" lvl="0" indent="0" algn="l" defTabSz="622300" rtl="0">
+          <a:pPr lvl="0" algn="l" defTabSz="622300" rtl="0">
             <a:lnSpc>
               <a:spcPct val="90000"/>
             </a:lnSpc>
@@ -6792,7 +7010,6 @@
             <a:spcAft>
               <a:spcPct val="35000"/>
             </a:spcAft>
-            <a:buNone/>
           </a:pPr>
           <a:r>
             <a:rPr lang="pt-BR" sz="1400" kern="1200" noProof="0" dirty="0"/>
@@ -6916,7 +7133,7 @@
         </a:bodyPr>
         <a:lstStyle/>
         <a:p>
-          <a:pPr marL="0" lvl="0" indent="0" algn="ctr" defTabSz="622300" rtl="0">
+          <a:pPr lvl="0" algn="ctr" defTabSz="622300" rtl="0">
             <a:lnSpc>
               <a:spcPct val="90000"/>
             </a:lnSpc>
@@ -6926,7 +7143,6 @@
             <a:spcAft>
               <a:spcPct val="35000"/>
             </a:spcAft>
-            <a:buNone/>
           </a:pPr>
           <a:r>
             <a:rPr lang="pt-BR" sz="1400" kern="1200" noProof="0" dirty="0"/>
@@ -6976,7 +7192,7 @@
         </a:bodyPr>
         <a:lstStyle/>
         <a:p>
-          <a:pPr marL="0" lvl="0" indent="0" algn="l" defTabSz="622300" rtl="0">
+          <a:pPr lvl="0" algn="l" defTabSz="622300" rtl="0">
             <a:lnSpc>
               <a:spcPct val="90000"/>
             </a:lnSpc>
@@ -6986,7 +7202,6 @@
             <a:spcAft>
               <a:spcPct val="35000"/>
             </a:spcAft>
-            <a:buNone/>
           </a:pPr>
           <a:r>
             <a:rPr lang="pt-BR" sz="1400" kern="1200" noProof="0" dirty="0"/>
@@ -11067,7 +11282,7 @@
           <a:p>
             <a:fld id="{D798CF6B-2368-48EA-841E-E087EF31DD19}" type="datetimeFigureOut">
               <a:rPr lang="pt-BR" smtClean="0"/>
-              <a:t>06/04/2022</a:t>
+              <a:t>24/04/2022</a:t>
             </a:fld>
             <a:endParaRPr lang="pt-BR" dirty="0"/>
           </a:p>
@@ -11232,7 +11447,7 @@
           <a:p>
             <a:fld id="{8562826E-968F-4FB9-AED1-46098CFC1EB2}" type="datetimeFigureOut">
               <a:rPr lang="pt-BR" smtClean="0"/>
-              <a:t>06/04/2022</a:t>
+              <a:t>24/04/2022</a:t>
             </a:fld>
             <a:endParaRPr lang="pt-BR" dirty="0"/>
           </a:p>
@@ -12477,7 +12692,7 @@
           <p:cNvPr id="8" name="Espaço Reservado para Data 7">
             <a:extLst>
               <a:ext uri="{FF2B5EF4-FFF2-40B4-BE49-F238E27FC236}">
-                <a16:creationId xmlns:a16="http://schemas.microsoft.com/office/drawing/2014/main" id="{7FA0ACE7-29A8-47D3-A7D9-257B711D8023}"/>
+                <a16:creationId xmlns:a16="http://schemas.microsoft.com/office/drawing/2014/main" xmlns="" id="{7FA0ACE7-29A8-47D3-A7D9-257B711D8023}"/>
               </a:ext>
             </a:extLst>
           </p:cNvPr>
@@ -12496,7 +12711,7 @@
             <a:pPr rtl="0"/>
             <a:fld id="{626451E8-8AE9-458E-A5B2-12CA8F105754}" type="datetime1">
               <a:rPr lang="pt-BR" noProof="0" smtClean="0"/>
-              <a:t>06/04/2022</a:t>
+              <a:t>24/04/2022</a:t>
             </a:fld>
             <a:endParaRPr lang="pt-BR" noProof="0" dirty="0"/>
           </a:p>
@@ -12507,7 +12722,7 @@
           <p:cNvPr id="9" name="Espaço Reservado para Rodapé 8">
             <a:extLst>
               <a:ext uri="{FF2B5EF4-FFF2-40B4-BE49-F238E27FC236}">
-                <a16:creationId xmlns:a16="http://schemas.microsoft.com/office/drawing/2014/main" id="{DEC604B9-52E9-4810-8359-47206518D038}"/>
+                <a16:creationId xmlns:a16="http://schemas.microsoft.com/office/drawing/2014/main" xmlns="" id="{DEC604B9-52E9-4810-8359-47206518D038}"/>
               </a:ext>
             </a:extLst>
           </p:cNvPr>
@@ -12533,7 +12748,7 @@
           <p:cNvPr id="10" name="Espaço reservado para o número do slide 9">
             <a:extLst>
               <a:ext uri="{FF2B5EF4-FFF2-40B4-BE49-F238E27FC236}">
-                <a16:creationId xmlns:a16="http://schemas.microsoft.com/office/drawing/2014/main" id="{5898A89F-CA25-400F-B05A-AECBF2517E4F}"/>
+                <a16:creationId xmlns:a16="http://schemas.microsoft.com/office/drawing/2014/main" xmlns="" id="{5898A89F-CA25-400F-B05A-AECBF2517E4F}"/>
               </a:ext>
             </a:extLst>
           </p:cNvPr>
@@ -12679,7 +12894,7 @@
           <p:cNvPr id="8" name="Espaço Reservado para Data 7">
             <a:extLst>
               <a:ext uri="{FF2B5EF4-FFF2-40B4-BE49-F238E27FC236}">
-                <a16:creationId xmlns:a16="http://schemas.microsoft.com/office/drawing/2014/main" id="{770E6237-3456-439F-802D-3BA93FC7E3E5}"/>
+                <a16:creationId xmlns:a16="http://schemas.microsoft.com/office/drawing/2014/main" xmlns="" id="{770E6237-3456-439F-802D-3BA93FC7E3E5}"/>
               </a:ext>
             </a:extLst>
           </p:cNvPr>
@@ -12698,7 +12913,7 @@
             <a:pPr rtl="0"/>
             <a:fld id="{A296B1D0-CF19-4C70-AAF3-0FFF1D71410A}" type="datetime1">
               <a:rPr lang="pt-BR" noProof="0" smtClean="0"/>
-              <a:t>06/04/2022</a:t>
+              <a:t>24/04/2022</a:t>
             </a:fld>
             <a:endParaRPr lang="pt-BR" noProof="0" dirty="0"/>
           </a:p>
@@ -12709,7 +12924,7 @@
           <p:cNvPr id="9" name="Espaço Reservado para Rodapé 8">
             <a:extLst>
               <a:ext uri="{FF2B5EF4-FFF2-40B4-BE49-F238E27FC236}">
-                <a16:creationId xmlns:a16="http://schemas.microsoft.com/office/drawing/2014/main" id="{1356D3B5-6063-4A89-B88F-9D3043916FF8}"/>
+                <a16:creationId xmlns:a16="http://schemas.microsoft.com/office/drawing/2014/main" xmlns="" id="{1356D3B5-6063-4A89-B88F-9D3043916FF8}"/>
               </a:ext>
             </a:extLst>
           </p:cNvPr>
@@ -12735,7 +12950,7 @@
           <p:cNvPr id="10" name="Espaço reservado para o número do slide 9">
             <a:extLst>
               <a:ext uri="{FF2B5EF4-FFF2-40B4-BE49-F238E27FC236}">
-                <a16:creationId xmlns:a16="http://schemas.microsoft.com/office/drawing/2014/main" id="{02B78BF7-69D3-4CE0-A631-50EFD41EEEB8}"/>
+                <a16:creationId xmlns:a16="http://schemas.microsoft.com/office/drawing/2014/main" xmlns="" id="{02B78BF7-69D3-4CE0-A631-50EFD41EEEB8}"/>
               </a:ext>
             </a:extLst>
           </p:cNvPr>
@@ -12995,7 +13210,7 @@
           <p:cNvPr id="7" name="Espaço Reservado para Data 6">
             <a:extLst>
               <a:ext uri="{FF2B5EF4-FFF2-40B4-BE49-F238E27FC236}">
-                <a16:creationId xmlns:a16="http://schemas.microsoft.com/office/drawing/2014/main" id="{61582016-5696-4A93-887F-BBB3B9002FE5}"/>
+                <a16:creationId xmlns:a16="http://schemas.microsoft.com/office/drawing/2014/main" xmlns="" id="{61582016-5696-4A93-887F-BBB3B9002FE5}"/>
               </a:ext>
             </a:extLst>
           </p:cNvPr>
@@ -13014,7 +13229,7 @@
             <a:pPr rtl="0"/>
             <a:fld id="{DFA1DD23-0C71-4A96-97D4-93C8ED5B6D76}" type="datetime1">
               <a:rPr lang="pt-BR" noProof="0" smtClean="0"/>
-              <a:t>06/04/2022</a:t>
+              <a:t>24/04/2022</a:t>
             </a:fld>
             <a:endParaRPr lang="pt-BR" noProof="0" dirty="0"/>
           </a:p>
@@ -13025,7 +13240,7 @@
           <p:cNvPr id="9" name="Espaço Reservado para Rodapé 8">
             <a:extLst>
               <a:ext uri="{FF2B5EF4-FFF2-40B4-BE49-F238E27FC236}">
-                <a16:creationId xmlns:a16="http://schemas.microsoft.com/office/drawing/2014/main" id="{857CFCD5-1192-4E18-8A8F-29E153B44DA4}"/>
+                <a16:creationId xmlns:a16="http://schemas.microsoft.com/office/drawing/2014/main" xmlns="" id="{857CFCD5-1192-4E18-8A8F-29E153B44DA4}"/>
               </a:ext>
             </a:extLst>
           </p:cNvPr>
@@ -13051,7 +13266,7 @@
           <p:cNvPr id="10" name="Espaço reservado para o número do slide 9">
             <a:extLst>
               <a:ext uri="{FF2B5EF4-FFF2-40B4-BE49-F238E27FC236}">
-                <a16:creationId xmlns:a16="http://schemas.microsoft.com/office/drawing/2014/main" id="{E39A109E-5018-4794-92B3-FD5E5BCD95E8}"/>
+                <a16:creationId xmlns:a16="http://schemas.microsoft.com/office/drawing/2014/main" xmlns="" id="{E39A109E-5018-4794-92B3-FD5E5BCD95E8}"/>
               </a:ext>
             </a:extLst>
           </p:cNvPr>
@@ -13271,7 +13486,7 @@
             <a:pPr rtl="0"/>
             <a:fld id="{E4B8F3B6-2500-40D9-AC34-CE1612C0F706}" type="datetime1">
               <a:rPr lang="pt-BR" noProof="0" smtClean="0"/>
-              <a:t>06/04/2022</a:t>
+              <a:t>24/04/2022</a:t>
             </a:fld>
             <a:endParaRPr lang="pt-BR" noProof="0" dirty="0"/>
           </a:p>
@@ -13697,7 +13912,7 @@
             <a:pPr rtl="0"/>
             <a:fld id="{CD9CABE6-9193-4DDB-9247-A5AB890E7B2C}" type="datetime1">
               <a:rPr lang="pt-BR" noProof="0" smtClean="0"/>
-              <a:t>06/04/2022</a:t>
+              <a:t>24/04/2022</a:t>
             </a:fld>
             <a:endParaRPr lang="pt-BR" noProof="0" dirty="0"/>
           </a:p>
@@ -13824,7 +14039,7 @@
             <a:pPr rtl="0"/>
             <a:fld id="{7312B864-EBAD-48F6-91D4-E325C09051CF}" type="datetime1">
               <a:rPr lang="pt-BR" noProof="0" smtClean="0"/>
-              <a:t>06/04/2022</a:t>
+              <a:t>24/04/2022</a:t>
             </a:fld>
             <a:endParaRPr lang="pt-BR" noProof="0" dirty="0"/>
           </a:p>
@@ -13922,7 +14137,7 @@
             <a:pPr rtl="0"/>
             <a:fld id="{A96DD393-CFC3-48AD-8B6B-682BFDA56223}" type="datetime1">
               <a:rPr lang="pt-BR" noProof="0" smtClean="0"/>
-              <a:t>06/04/2022</a:t>
+              <a:t>24/04/2022</a:t>
             </a:fld>
             <a:endParaRPr lang="pt-BR" noProof="0" dirty="0"/>
           </a:p>
@@ -14279,7 +14494,7 @@
           <p:cNvPr id="8" name="Espaço Reservado para Data 7">
             <a:extLst>
               <a:ext uri="{FF2B5EF4-FFF2-40B4-BE49-F238E27FC236}">
-                <a16:creationId xmlns:a16="http://schemas.microsoft.com/office/drawing/2014/main" id="{0B919CC2-2A65-446F-B538-9E6249035445}"/>
+                <a16:creationId xmlns:a16="http://schemas.microsoft.com/office/drawing/2014/main" xmlns="" id="{0B919CC2-2A65-446F-B538-9E6249035445}"/>
               </a:ext>
             </a:extLst>
           </p:cNvPr>
@@ -14303,7 +14518,7 @@
             <a:pPr rtl="0"/>
             <a:fld id="{9BCC24C2-65B2-41BD-BB6E-098A61D32228}" type="datetime1">
               <a:rPr lang="pt-BR" noProof="0" smtClean="0"/>
-              <a:t>06/04/2022</a:t>
+              <a:t>24/04/2022</a:t>
             </a:fld>
             <a:endParaRPr lang="pt-BR" noProof="0" dirty="0"/>
           </a:p>
@@ -14314,7 +14529,7 @@
           <p:cNvPr id="10" name="Espaço Reservado para Rodapé 9">
             <a:extLst>
               <a:ext uri="{FF2B5EF4-FFF2-40B4-BE49-F238E27FC236}">
-                <a16:creationId xmlns:a16="http://schemas.microsoft.com/office/drawing/2014/main" id="{B72412AE-119E-4982-8B24-63365EFCA796}"/>
+                <a16:creationId xmlns:a16="http://schemas.microsoft.com/office/drawing/2014/main" xmlns="" id="{B72412AE-119E-4982-8B24-63365EFCA796}"/>
               </a:ext>
             </a:extLst>
           </p:cNvPr>
@@ -14345,7 +14560,7 @@
           <p:cNvPr id="11" name="Espaço Reservado para o Número do Slide 10">
             <a:extLst>
               <a:ext uri="{FF2B5EF4-FFF2-40B4-BE49-F238E27FC236}">
-                <a16:creationId xmlns:a16="http://schemas.microsoft.com/office/drawing/2014/main" id="{7FC4BB19-6AD1-45CF-9F99-00B109890FAB}"/>
+                <a16:creationId xmlns:a16="http://schemas.microsoft.com/office/drawing/2014/main" xmlns="" id="{7FC4BB19-6AD1-45CF-9F99-00B109890FAB}"/>
               </a:ext>
             </a:extLst>
           </p:cNvPr>
@@ -14601,7 +14816,7 @@
             <a:pPr rtl="0"/>
             <a:fld id="{E5D99723-6DA6-4C30-9EA4-F8E2538DC775}" type="datetime1">
               <a:rPr lang="pt-BR" noProof="0" smtClean="0"/>
-              <a:t>06/04/2022</a:t>
+              <a:t>24/04/2022</a:t>
             </a:fld>
             <a:endParaRPr lang="pt-BR" noProof="0" dirty="0"/>
           </a:p>
@@ -14817,7 +15032,7 @@
             <a:pPr rtl="0"/>
             <a:fld id="{F51F8DA6-EB2F-4BB4-95AD-186BE9C871DB}" type="datetime1">
               <a:rPr lang="pt-BR" noProof="0" smtClean="0"/>
-              <a:t>06/04/2022</a:t>
+              <a:t>24/04/2022</a:t>
             </a:fld>
             <a:endParaRPr lang="pt-BR" noProof="0" dirty="0"/>
           </a:p>
@@ -15462,10 +15677,10 @@
           <p:cNvPr id="38" name="Retângulo 37">
             <a:extLst>
               <a:ext uri="{FF2B5EF4-FFF2-40B4-BE49-F238E27FC236}">
-                <a16:creationId xmlns:a16="http://schemas.microsoft.com/office/drawing/2014/main" id="{42D4960A-896E-4F6B-BF65-B4662AC9DEB6}"/>
+                <a16:creationId xmlns:a16="http://schemas.microsoft.com/office/drawing/2014/main" xmlns="" id="{42D4960A-896E-4F6B-BF65-B4662AC9DEB6}"/>
               </a:ext>
               <a:ext uri="{C183D7F6-B498-43B3-948B-1728B52AA6E4}">
-                <adec:decorative xmlns:adec="http://schemas.microsoft.com/office/drawing/2017/decorative" val="1"/>
+                <adec:decorative xmlns:adec="http://schemas.microsoft.com/office/drawing/2017/decorative" xmlns="" val="1"/>
               </a:ext>
             </a:extLst>
           </p:cNvPr>
@@ -15475,7 +15690,7 @@
           <p:nvPr>
             <p:extLst>
               <p:ext uri="{386F3935-93C4-4BCD-93E2-E3B085C9AB24}">
-                <p16:designElem xmlns:p16="http://schemas.microsoft.com/office/powerpoint/2015/main" val="1"/>
+                <p16:designElem xmlns:p16="http://schemas.microsoft.com/office/powerpoint/2015/main" xmlns="" val="1"/>
               </p:ext>
             </p:extLst>
           </p:nvPr>
@@ -15557,7 +15772,7 @@
           <p:cNvPr id="6" name="Imagem 5" descr="pipeta gotejando sobre um disco de petri">
             <a:extLst>
               <a:ext uri="{FF2B5EF4-FFF2-40B4-BE49-F238E27FC236}">
-                <a16:creationId xmlns:a16="http://schemas.microsoft.com/office/drawing/2014/main" id="{AD5EFA86-59D3-41A9-819E-C704FF32C5AD}"/>
+                <a16:creationId xmlns:a16="http://schemas.microsoft.com/office/drawing/2014/main" xmlns="" id="{AD5EFA86-59D3-41A9-819E-C704FF32C5AD}"/>
               </a:ext>
             </a:extLst>
           </p:cNvPr>
@@ -15592,10 +15807,10 @@
           <p:cNvPr id="40" name="Retângulo 39">
             <a:extLst>
               <a:ext uri="{FF2B5EF4-FFF2-40B4-BE49-F238E27FC236}">
-                <a16:creationId xmlns:a16="http://schemas.microsoft.com/office/drawing/2014/main" id="{5684944A-8803-462C-84C5-4576C56A7758}"/>
+                <a16:creationId xmlns:a16="http://schemas.microsoft.com/office/drawing/2014/main" xmlns="" id="{5684944A-8803-462C-84C5-4576C56A7758}"/>
               </a:ext>
               <a:ext uri="{C183D7F6-B498-43B3-948B-1728B52AA6E4}">
-                <adec:decorative xmlns:adec="http://schemas.microsoft.com/office/drawing/2017/decorative" val="1"/>
+                <adec:decorative xmlns:adec="http://schemas.microsoft.com/office/drawing/2017/decorative" xmlns="" val="1"/>
               </a:ext>
             </a:extLst>
           </p:cNvPr>
@@ -15605,7 +15820,7 @@
           <p:nvPr>
             <p:extLst>
               <p:ext uri="{386F3935-93C4-4BCD-93E2-E3B085C9AB24}">
-                <p16:designElem xmlns:p16="http://schemas.microsoft.com/office/powerpoint/2015/main" val="1"/>
+                <p16:designElem xmlns:p16="http://schemas.microsoft.com/office/powerpoint/2015/main" xmlns="" val="1"/>
               </p:ext>
             </p:extLst>
           </p:nvPr>
@@ -15646,7 +15861,7 @@
           <p:cNvPr id="2" name="Título 1">
             <a:extLst>
               <a:ext uri="{FF2B5EF4-FFF2-40B4-BE49-F238E27FC236}">
-                <a16:creationId xmlns:a16="http://schemas.microsoft.com/office/drawing/2014/main" id="{1C21E816-31F5-48BB-BD02-D15F2F18B48A}"/>
+                <a16:creationId xmlns:a16="http://schemas.microsoft.com/office/drawing/2014/main" xmlns="" id="{1C21E816-31F5-48BB-BD02-D15F2F18B48A}"/>
               </a:ext>
             </a:extLst>
           </p:cNvPr>
@@ -15686,10 +15901,10 @@
           <p:cNvPr id="42" name="Retângulo 41">
             <a:extLst>
               <a:ext uri="{FF2B5EF4-FFF2-40B4-BE49-F238E27FC236}">
-                <a16:creationId xmlns:a16="http://schemas.microsoft.com/office/drawing/2014/main" id="{E07F3B49-8C20-42F5-831D-59306D05F667}"/>
+                <a16:creationId xmlns:a16="http://schemas.microsoft.com/office/drawing/2014/main" xmlns="" id="{E07F3B49-8C20-42F5-831D-59306D05F667}"/>
               </a:ext>
               <a:ext uri="{C183D7F6-B498-43B3-948B-1728B52AA6E4}">
-                <adec:decorative xmlns:adec="http://schemas.microsoft.com/office/drawing/2017/decorative" val="1"/>
+                <adec:decorative xmlns:adec="http://schemas.microsoft.com/office/drawing/2017/decorative" xmlns="" val="1"/>
               </a:ext>
             </a:extLst>
           </p:cNvPr>
@@ -15699,7 +15914,7 @@
           <p:nvPr>
             <p:extLst>
               <p:ext uri="{386F3935-93C4-4BCD-93E2-E3B085C9AB24}">
-                <p16:designElem xmlns:p16="http://schemas.microsoft.com/office/powerpoint/2015/main" val="1"/>
+                <p16:designElem xmlns:p16="http://schemas.microsoft.com/office/powerpoint/2015/main" xmlns="" val="1"/>
               </p:ext>
             </p:extLst>
           </p:nvPr>
@@ -15740,7 +15955,7 @@
           <p:cNvPr id="3" name="Subtítulo 2">
             <a:extLst>
               <a:ext uri="{FF2B5EF4-FFF2-40B4-BE49-F238E27FC236}">
-                <a16:creationId xmlns:a16="http://schemas.microsoft.com/office/drawing/2014/main" id="{835D6E6B-3353-491C-A3C6-F278D6CED8B3}"/>
+                <a16:creationId xmlns:a16="http://schemas.microsoft.com/office/drawing/2014/main" xmlns="" id="{835D6E6B-3353-491C-A3C6-F278D6CED8B3}"/>
               </a:ext>
             </a:extLst>
           </p:cNvPr>
@@ -15783,7 +15998,7 @@
           <p:cNvPr id="8" name="Title 1">
             <a:extLst>
               <a:ext uri="{FF2B5EF4-FFF2-40B4-BE49-F238E27FC236}">
-                <a16:creationId xmlns:a16="http://schemas.microsoft.com/office/drawing/2014/main" id="{FEF84C65-E372-44AC-8DF4-2BD72AC53C31}"/>
+                <a16:creationId xmlns:a16="http://schemas.microsoft.com/office/drawing/2014/main" xmlns="" id="{FEF84C65-E372-44AC-8DF4-2BD72AC53C31}"/>
               </a:ext>
             </a:extLst>
           </p:cNvPr>
@@ -15906,7 +16121,7 @@
           <p:cNvPr id="2" name="Título 1">
             <a:extLst>
               <a:ext uri="{FF2B5EF4-FFF2-40B4-BE49-F238E27FC236}">
-                <a16:creationId xmlns:a16="http://schemas.microsoft.com/office/drawing/2014/main" id="{59D539EE-4A36-4CA3-94D4-F7FEA2D2411B}"/>
+                <a16:creationId xmlns:a16="http://schemas.microsoft.com/office/drawing/2014/main" xmlns="" id="{59D539EE-4A36-4CA3-94D4-F7FEA2D2411B}"/>
               </a:ext>
             </a:extLst>
           </p:cNvPr>
@@ -15949,7 +16164,7 @@
           <p:cNvPr id="4" name="Imagem 3">
             <a:extLst>
               <a:ext uri="{FF2B5EF4-FFF2-40B4-BE49-F238E27FC236}">
-                <a16:creationId xmlns:a16="http://schemas.microsoft.com/office/drawing/2014/main" id="{94E98685-2D50-4157-A1C8-2E849829DA68}"/>
+                <a16:creationId xmlns:a16="http://schemas.microsoft.com/office/drawing/2014/main" xmlns="" id="{94E98685-2D50-4157-A1C8-2E849829DA68}"/>
               </a:ext>
             </a:extLst>
           </p:cNvPr>
@@ -15978,7 +16193,7 @@
           <p:cNvPr id="9" name="Diagrama 8">
             <a:extLst>
               <a:ext uri="{FF2B5EF4-FFF2-40B4-BE49-F238E27FC236}">
-                <a16:creationId xmlns:a16="http://schemas.microsoft.com/office/drawing/2014/main" id="{600FA289-93D9-4242-997B-B4C7A880FAB8}"/>
+                <a16:creationId xmlns:a16="http://schemas.microsoft.com/office/drawing/2014/main" xmlns="" id="{600FA289-93D9-4242-997B-B4C7A880FAB8}"/>
               </a:ext>
             </a:extLst>
           </p:cNvPr>
@@ -16006,7 +16221,7 @@
           <p:cNvPr id="11" name="Título 1">
             <a:extLst>
               <a:ext uri="{FF2B5EF4-FFF2-40B4-BE49-F238E27FC236}">
-                <a16:creationId xmlns:a16="http://schemas.microsoft.com/office/drawing/2014/main" id="{5CB9E2BA-715A-4F74-B425-B0D7B0F4F017}"/>
+                <a16:creationId xmlns:a16="http://schemas.microsoft.com/office/drawing/2014/main" xmlns="" id="{5CB9E2BA-715A-4F74-B425-B0D7B0F4F017}"/>
               </a:ext>
             </a:extLst>
           </p:cNvPr>
@@ -16155,7 +16370,7 @@
           <p:cNvPr id="2" name="Título 1">
             <a:extLst>
               <a:ext uri="{FF2B5EF4-FFF2-40B4-BE49-F238E27FC236}">
-                <a16:creationId xmlns:a16="http://schemas.microsoft.com/office/drawing/2014/main" id="{59D539EE-4A36-4CA3-94D4-F7FEA2D2411B}"/>
+                <a16:creationId xmlns:a16="http://schemas.microsoft.com/office/drawing/2014/main" xmlns="" id="{59D539EE-4A36-4CA3-94D4-F7FEA2D2411B}"/>
               </a:ext>
             </a:extLst>
           </p:cNvPr>
@@ -16198,7 +16413,7 @@
           <p:cNvPr id="8" name="Imagem 7">
             <a:extLst>
               <a:ext uri="{FF2B5EF4-FFF2-40B4-BE49-F238E27FC236}">
-                <a16:creationId xmlns:a16="http://schemas.microsoft.com/office/drawing/2014/main" id="{04FA601C-A73B-4FFD-9355-5E88CB660BE8}"/>
+                <a16:creationId xmlns:a16="http://schemas.microsoft.com/office/drawing/2014/main" xmlns="" id="{04FA601C-A73B-4FFD-9355-5E88CB660BE8}"/>
               </a:ext>
             </a:extLst>
           </p:cNvPr>
@@ -16227,7 +16442,7 @@
           <p:cNvPr id="9" name="Título 1">
             <a:extLst>
               <a:ext uri="{FF2B5EF4-FFF2-40B4-BE49-F238E27FC236}">
-                <a16:creationId xmlns:a16="http://schemas.microsoft.com/office/drawing/2014/main" id="{F2FE444F-245A-4E02-9934-E504435E972A}"/>
+                <a16:creationId xmlns:a16="http://schemas.microsoft.com/office/drawing/2014/main" xmlns="" id="{F2FE444F-245A-4E02-9934-E504435E972A}"/>
               </a:ext>
             </a:extLst>
           </p:cNvPr>
@@ -16346,7 +16561,7 @@
           <p:cNvPr id="3" name="Tabela 3">
             <a:extLst>
               <a:ext uri="{FF2B5EF4-FFF2-40B4-BE49-F238E27FC236}">
-                <a16:creationId xmlns:a16="http://schemas.microsoft.com/office/drawing/2014/main" id="{59365AFA-AB8D-41FA-BC98-F7EEB5D71CB5}"/>
+                <a16:creationId xmlns:a16="http://schemas.microsoft.com/office/drawing/2014/main" xmlns="" id="{59365AFA-AB8D-41FA-BC98-F7EEB5D71CB5}"/>
               </a:ext>
             </a:extLst>
           </p:cNvPr>
@@ -16356,7 +16571,7 @@
           <p:nvPr>
             <p:extLst>
               <p:ext uri="{D42A27DB-BD31-4B8C-83A1-F6EECF244321}">
-                <p14:modId xmlns:p14="http://schemas.microsoft.com/office/powerpoint/2010/main" val="820458753"/>
+                <p14:modId xmlns:p14="http://schemas.microsoft.com/office/powerpoint/2010/main" val="1046252642"/>
               </p:ext>
             </p:extLst>
           </p:nvPr>
@@ -16375,14 +16590,14 @@
                 <a:gridCol w="2300515">
                   <a:extLst>
                     <a:ext uri="{9D8B030D-6E8A-4147-A177-3AD203B41FA5}">
-                      <a16:colId xmlns:a16="http://schemas.microsoft.com/office/drawing/2014/main" val="455184633"/>
+                      <a16:colId xmlns:a16="http://schemas.microsoft.com/office/drawing/2014/main" xmlns="" val="455184633"/>
                     </a:ext>
                   </a:extLst>
                 </a:gridCol>
                 <a:gridCol w="6520543">
                   <a:extLst>
                     <a:ext uri="{9D8B030D-6E8A-4147-A177-3AD203B41FA5}">
-                      <a16:colId xmlns:a16="http://schemas.microsoft.com/office/drawing/2014/main" val="2754194228"/>
+                      <a16:colId xmlns:a16="http://schemas.microsoft.com/office/drawing/2014/main" xmlns="" val="2754194228"/>
                     </a:ext>
                   </a:extLst>
                 </a:gridCol>
@@ -16416,7 +16631,7 @@
                 </a:tc>
                 <a:extLst>
                   <a:ext uri="{0D108BD9-81ED-4DB2-BD59-A6C34878D82A}">
-                    <a16:rowId xmlns:a16="http://schemas.microsoft.com/office/drawing/2014/main" val="2573295261"/>
+                    <a16:rowId xmlns:a16="http://schemas.microsoft.com/office/drawing/2014/main" xmlns="" val="2573295261"/>
                   </a:ext>
                 </a:extLst>
               </a:tr>
@@ -16449,7 +16664,7 @@
                 </a:tc>
                 <a:extLst>
                   <a:ext uri="{0D108BD9-81ED-4DB2-BD59-A6C34878D82A}">
-                    <a16:rowId xmlns:a16="http://schemas.microsoft.com/office/drawing/2014/main" val="1499102723"/>
+                    <a16:rowId xmlns:a16="http://schemas.microsoft.com/office/drawing/2014/main" xmlns="" val="1499102723"/>
                   </a:ext>
                 </a:extLst>
               </a:tr>
@@ -16482,7 +16697,7 @@
                 </a:tc>
                 <a:extLst>
                   <a:ext uri="{0D108BD9-81ED-4DB2-BD59-A6C34878D82A}">
-                    <a16:rowId xmlns:a16="http://schemas.microsoft.com/office/drawing/2014/main" val="3504309830"/>
+                    <a16:rowId xmlns:a16="http://schemas.microsoft.com/office/drawing/2014/main" xmlns="" val="3504309830"/>
                   </a:ext>
                 </a:extLst>
               </a:tr>
@@ -16515,7 +16730,7 @@
                 </a:tc>
                 <a:extLst>
                   <a:ext uri="{0D108BD9-81ED-4DB2-BD59-A6C34878D82A}">
-                    <a16:rowId xmlns:a16="http://schemas.microsoft.com/office/drawing/2014/main" val="3005403726"/>
+                    <a16:rowId xmlns:a16="http://schemas.microsoft.com/office/drawing/2014/main" xmlns="" val="3005403726"/>
                   </a:ext>
                 </a:extLst>
               </a:tr>
@@ -16548,7 +16763,7 @@
                 </a:tc>
                 <a:extLst>
                   <a:ext uri="{0D108BD9-81ED-4DB2-BD59-A6C34878D82A}">
-                    <a16:rowId xmlns:a16="http://schemas.microsoft.com/office/drawing/2014/main" val="3377473944"/>
+                    <a16:rowId xmlns:a16="http://schemas.microsoft.com/office/drawing/2014/main" xmlns="" val="3377473944"/>
                   </a:ext>
                 </a:extLst>
               </a:tr>
@@ -16572,16 +16787,25 @@
                     <a:lstStyle/>
                     <a:p>
                       <a:r>
-                        <a:rPr lang="pt-BR" dirty="0"/>
-                        <a:t>Engenheiro de Dados</a:t>
+                        <a:rPr lang="pt-BR" dirty="0" smtClean="0"/>
+                        <a:t>Analista </a:t>
                       </a:r>
+                      <a:r>
+                        <a:rPr lang="pt-BR" smtClean="0"/>
+                        <a:t>de Dados/Cientista </a:t>
+                      </a:r>
+                      <a:r>
+                        <a:rPr lang="pt-BR" dirty="0" smtClean="0"/>
+                        <a:t>de Dados</a:t>
+                      </a:r>
+                      <a:endParaRPr lang="pt-BR" dirty="0"/>
                     </a:p>
                   </a:txBody>
                   <a:tcPr/>
                 </a:tc>
                 <a:extLst>
                   <a:ext uri="{0D108BD9-81ED-4DB2-BD59-A6C34878D82A}">
-                    <a16:rowId xmlns:a16="http://schemas.microsoft.com/office/drawing/2014/main" val="1623356779"/>
+                    <a16:rowId xmlns:a16="http://schemas.microsoft.com/office/drawing/2014/main" xmlns="" val="1623356779"/>
                   </a:ext>
                 </a:extLst>
               </a:tr>
@@ -16624,7 +16848,7 @@
           <p:cNvPr id="2" name="Título 1">
             <a:extLst>
               <a:ext uri="{FF2B5EF4-FFF2-40B4-BE49-F238E27FC236}">
-                <a16:creationId xmlns:a16="http://schemas.microsoft.com/office/drawing/2014/main" id="{59D539EE-4A36-4CA3-94D4-F7FEA2D2411B}"/>
+                <a16:creationId xmlns:a16="http://schemas.microsoft.com/office/drawing/2014/main" xmlns="" id="{59D539EE-4A36-4CA3-94D4-F7FEA2D2411B}"/>
               </a:ext>
             </a:extLst>
           </p:cNvPr>
@@ -16667,7 +16891,7 @@
           <p:cNvPr id="7" name="CaixaDeTexto 6">
             <a:extLst>
               <a:ext uri="{FF2B5EF4-FFF2-40B4-BE49-F238E27FC236}">
-                <a16:creationId xmlns:a16="http://schemas.microsoft.com/office/drawing/2014/main" id="{A633C10F-CA46-41D6-8618-EC346CED5DCE}"/>
+                <a16:creationId xmlns:a16="http://schemas.microsoft.com/office/drawing/2014/main" xmlns="" id="{A633C10F-CA46-41D6-8618-EC346CED5DCE}"/>
               </a:ext>
             </a:extLst>
           </p:cNvPr>
@@ -16764,7 +16988,7 @@
           <p:cNvPr id="8" name="Imagem 7">
             <a:extLst>
               <a:ext uri="{FF2B5EF4-FFF2-40B4-BE49-F238E27FC236}">
-                <a16:creationId xmlns:a16="http://schemas.microsoft.com/office/drawing/2014/main" id="{04FA601C-A73B-4FFD-9355-5E88CB660BE8}"/>
+                <a16:creationId xmlns:a16="http://schemas.microsoft.com/office/drawing/2014/main" xmlns="" id="{04FA601C-A73B-4FFD-9355-5E88CB660BE8}"/>
               </a:ext>
             </a:extLst>
           </p:cNvPr>
@@ -16793,7 +17017,7 @@
           <p:cNvPr id="9" name="Título 1">
             <a:extLst>
               <a:ext uri="{FF2B5EF4-FFF2-40B4-BE49-F238E27FC236}">
-                <a16:creationId xmlns:a16="http://schemas.microsoft.com/office/drawing/2014/main" id="{F2FE444F-245A-4E02-9934-E504435E972A}"/>
+                <a16:creationId xmlns:a16="http://schemas.microsoft.com/office/drawing/2014/main" xmlns="" id="{F2FE444F-245A-4E02-9934-E504435E972A}"/>
               </a:ext>
             </a:extLst>
           </p:cNvPr>
@@ -16942,7 +17166,7 @@
           <p:cNvPr id="8" name="Imagem 7">
             <a:extLst>
               <a:ext uri="{FF2B5EF4-FFF2-40B4-BE49-F238E27FC236}">
-                <a16:creationId xmlns:a16="http://schemas.microsoft.com/office/drawing/2014/main" id="{027E4BBA-D3A1-4A9F-976C-558990D63648}"/>
+                <a16:creationId xmlns:a16="http://schemas.microsoft.com/office/drawing/2014/main" xmlns="" id="{027E4BBA-D3A1-4A9F-976C-558990D63648}"/>
               </a:ext>
             </a:extLst>
           </p:cNvPr>
@@ -16971,7 +17195,7 @@
           <p:cNvPr id="11" name="Título 1">
             <a:extLst>
               <a:ext uri="{FF2B5EF4-FFF2-40B4-BE49-F238E27FC236}">
-                <a16:creationId xmlns:a16="http://schemas.microsoft.com/office/drawing/2014/main" id="{9CE9007A-94A6-4B29-9285-B1E5520F7F37}"/>
+                <a16:creationId xmlns:a16="http://schemas.microsoft.com/office/drawing/2014/main" xmlns="" id="{9CE9007A-94A6-4B29-9285-B1E5520F7F37}"/>
               </a:ext>
             </a:extLst>
           </p:cNvPr>
@@ -17014,7 +17238,7 @@
           <p:cNvPr id="12" name="Título 1">
             <a:extLst>
               <a:ext uri="{FF2B5EF4-FFF2-40B4-BE49-F238E27FC236}">
-                <a16:creationId xmlns:a16="http://schemas.microsoft.com/office/drawing/2014/main" id="{C31258BF-AEF9-4B9E-BBA7-688B8E9CC9EB}"/>
+                <a16:creationId xmlns:a16="http://schemas.microsoft.com/office/drawing/2014/main" xmlns="" id="{C31258BF-AEF9-4B9E-BBA7-688B8E9CC9EB}"/>
               </a:ext>
             </a:extLst>
           </p:cNvPr>
@@ -17133,7 +17357,7 @@
           <p:cNvPr id="5" name="Conector: Curvo 4">
             <a:extLst>
               <a:ext uri="{FF2B5EF4-FFF2-40B4-BE49-F238E27FC236}">
-                <a16:creationId xmlns:a16="http://schemas.microsoft.com/office/drawing/2014/main" id="{22AEF603-740D-44B5-ADF0-50865AA66261}"/>
+                <a16:creationId xmlns:a16="http://schemas.microsoft.com/office/drawing/2014/main" xmlns="" id="{22AEF603-740D-44B5-ADF0-50865AA66261}"/>
               </a:ext>
             </a:extLst>
           </p:cNvPr>
@@ -17174,7 +17398,7 @@
           <p:cNvPr id="15" name="Agrupar 14">
             <a:extLst>
               <a:ext uri="{FF2B5EF4-FFF2-40B4-BE49-F238E27FC236}">
-                <a16:creationId xmlns:a16="http://schemas.microsoft.com/office/drawing/2014/main" id="{9F9DA5F9-6E06-4208-9BBD-772E4D72A354}"/>
+                <a16:creationId xmlns:a16="http://schemas.microsoft.com/office/drawing/2014/main" xmlns="" id="{9F9DA5F9-6E06-4208-9BBD-772E4D72A354}"/>
               </a:ext>
             </a:extLst>
           </p:cNvPr>
@@ -17194,7 +17418,7 @@
             <p:cNvPr id="13" name="Imagem 12" descr="Logotipo, nome da empresa&#10;&#10;Descrição gerada automaticamente">
               <a:extLst>
                 <a:ext uri="{FF2B5EF4-FFF2-40B4-BE49-F238E27FC236}">
-                  <a16:creationId xmlns:a16="http://schemas.microsoft.com/office/drawing/2014/main" id="{9F35700C-9059-4088-A287-929765C683EB}"/>
+                  <a16:creationId xmlns:a16="http://schemas.microsoft.com/office/drawing/2014/main" xmlns="" id="{9F35700C-9059-4088-A287-929765C683EB}"/>
                 </a:ext>
               </a:extLst>
             </p:cNvPr>
@@ -17224,7 +17448,7 @@
             <p:cNvPr id="14" name="CaixaDeTexto 13">
               <a:extLst>
                 <a:ext uri="{FF2B5EF4-FFF2-40B4-BE49-F238E27FC236}">
-                  <a16:creationId xmlns:a16="http://schemas.microsoft.com/office/drawing/2014/main" id="{A993B404-8E00-425E-B875-79D008594F4D}"/>
+                  <a16:creationId xmlns:a16="http://schemas.microsoft.com/office/drawing/2014/main" xmlns="" id="{A993B404-8E00-425E-B875-79D008594F4D}"/>
                 </a:ext>
               </a:extLst>
             </p:cNvPr>
@@ -17265,7 +17489,7 @@
           <p:cNvPr id="16" name="Colchete Direito 15">
             <a:extLst>
               <a:ext uri="{FF2B5EF4-FFF2-40B4-BE49-F238E27FC236}">
-                <a16:creationId xmlns:a16="http://schemas.microsoft.com/office/drawing/2014/main" id="{61AD1E41-6FAE-4795-B709-E8037A77219E}"/>
+                <a16:creationId xmlns:a16="http://schemas.microsoft.com/office/drawing/2014/main" xmlns="" id="{61AD1E41-6FAE-4795-B709-E8037A77219E}"/>
               </a:ext>
             </a:extLst>
           </p:cNvPr>
@@ -17309,7 +17533,7 @@
           <p:cNvPr id="17" name="CaixaDeTexto 16">
             <a:extLst>
               <a:ext uri="{FF2B5EF4-FFF2-40B4-BE49-F238E27FC236}">
-                <a16:creationId xmlns:a16="http://schemas.microsoft.com/office/drawing/2014/main" id="{6D90EB95-A2A5-4593-BD7A-E3E161694076}"/>
+                <a16:creationId xmlns:a16="http://schemas.microsoft.com/office/drawing/2014/main" xmlns="" id="{6D90EB95-A2A5-4593-BD7A-E3E161694076}"/>
               </a:ext>
             </a:extLst>
           </p:cNvPr>
@@ -17374,7 +17598,7 @@
           <p:cNvPr id="18" name="CaixaDeTexto 17">
             <a:extLst>
               <a:ext uri="{FF2B5EF4-FFF2-40B4-BE49-F238E27FC236}">
-                <a16:creationId xmlns:a16="http://schemas.microsoft.com/office/drawing/2014/main" id="{11BDC812-E6B6-425A-82A8-D0C54115752D}"/>
+                <a16:creationId xmlns:a16="http://schemas.microsoft.com/office/drawing/2014/main" xmlns="" id="{11BDC812-E6B6-425A-82A8-D0C54115752D}"/>
               </a:ext>
             </a:extLst>
           </p:cNvPr>
@@ -17409,7 +17633,7 @@
           <p:cNvPr id="20" name="Gráfico 19" descr="Banco de dados estrutura de tópicos">
             <a:extLst>
               <a:ext uri="{FF2B5EF4-FFF2-40B4-BE49-F238E27FC236}">
-                <a16:creationId xmlns:a16="http://schemas.microsoft.com/office/drawing/2014/main" id="{84327527-4961-4F84-98F1-C21F83415378}"/>
+                <a16:creationId xmlns:a16="http://schemas.microsoft.com/office/drawing/2014/main" xmlns="" id="{84327527-4961-4F84-98F1-C21F83415378}"/>
               </a:ext>
             </a:extLst>
           </p:cNvPr>
@@ -17422,7 +17646,7 @@
           <a:blip r:embed="rId5">
             <a:extLst>
               <a:ext uri="{96DAC541-7B7A-43D3-8B79-37D633B846F1}">
-                <asvg:svgBlip xmlns:asvg="http://schemas.microsoft.com/office/drawing/2016/SVG/main" r:embed="rId6"/>
+                <asvg:svgBlip xmlns:asvg="http://schemas.microsoft.com/office/drawing/2016/SVG/main" xmlns="" r:embed="rId6"/>
               </a:ext>
             </a:extLst>
           </a:blip>
@@ -17445,7 +17669,7 @@
           <p:cNvPr id="22" name="Conector: Curvo 21">
             <a:extLst>
               <a:ext uri="{FF2B5EF4-FFF2-40B4-BE49-F238E27FC236}">
-                <a16:creationId xmlns:a16="http://schemas.microsoft.com/office/drawing/2014/main" id="{8A31186C-D3B3-4B9E-9793-B38978CC5AB0}"/>
+                <a16:creationId xmlns:a16="http://schemas.microsoft.com/office/drawing/2014/main" xmlns="" id="{8A31186C-D3B3-4B9E-9793-B38978CC5AB0}"/>
               </a:ext>
             </a:extLst>
           </p:cNvPr>
@@ -17487,7 +17711,7 @@
           <p:cNvPr id="24" name="CaixaDeTexto 23">
             <a:extLst>
               <a:ext uri="{FF2B5EF4-FFF2-40B4-BE49-F238E27FC236}">
-                <a16:creationId xmlns:a16="http://schemas.microsoft.com/office/drawing/2014/main" id="{1EF51F4E-B213-4425-BAA9-295923F146C2}"/>
+                <a16:creationId xmlns:a16="http://schemas.microsoft.com/office/drawing/2014/main" xmlns="" id="{1EF51F4E-B213-4425-BAA9-295923F146C2}"/>
               </a:ext>
             </a:extLst>
           </p:cNvPr>
@@ -17552,7 +17776,7 @@
           <p:cNvPr id="28" name="Imagem 27" descr="Forma&#10;&#10;Descrição gerada automaticamente com confiança média">
             <a:extLst>
               <a:ext uri="{FF2B5EF4-FFF2-40B4-BE49-F238E27FC236}">
-                <a16:creationId xmlns:a16="http://schemas.microsoft.com/office/drawing/2014/main" id="{D1E55831-E33D-4529-8B4D-72C48780877F}"/>
+                <a16:creationId xmlns:a16="http://schemas.microsoft.com/office/drawing/2014/main" xmlns="" id="{D1E55831-E33D-4529-8B4D-72C48780877F}"/>
               </a:ext>
             </a:extLst>
           </p:cNvPr>
@@ -17582,7 +17806,7 @@
           <p:cNvPr id="29" name="Conector: Curvo 28">
             <a:extLst>
               <a:ext uri="{FF2B5EF4-FFF2-40B4-BE49-F238E27FC236}">
-                <a16:creationId xmlns:a16="http://schemas.microsoft.com/office/drawing/2014/main" id="{53C08C39-E905-44A6-B861-5F4C05304AD4}"/>
+                <a16:creationId xmlns:a16="http://schemas.microsoft.com/office/drawing/2014/main" xmlns="" id="{53C08C39-E905-44A6-B861-5F4C05304AD4}"/>
               </a:ext>
             </a:extLst>
           </p:cNvPr>
@@ -17624,7 +17848,7 @@
           <p:cNvPr id="37" name="Agrupar 36">
             <a:extLst>
               <a:ext uri="{FF2B5EF4-FFF2-40B4-BE49-F238E27FC236}">
-                <a16:creationId xmlns:a16="http://schemas.microsoft.com/office/drawing/2014/main" id="{FAC6B797-DE1F-40BA-9695-91AA3BCBE9FC}"/>
+                <a16:creationId xmlns:a16="http://schemas.microsoft.com/office/drawing/2014/main" xmlns="" id="{FAC6B797-DE1F-40BA-9695-91AA3BCBE9FC}"/>
               </a:ext>
             </a:extLst>
           </p:cNvPr>
@@ -17644,7 +17868,7 @@
             <p:cNvPr id="35" name="Imagem 34" descr="dÍcone&#10;&#10;Descrição gerada automaticamente">
               <a:extLst>
                 <a:ext uri="{FF2B5EF4-FFF2-40B4-BE49-F238E27FC236}">
-                  <a16:creationId xmlns:a16="http://schemas.microsoft.com/office/drawing/2014/main" id="{4A076E03-EA0B-4793-9E56-40BC7A51218F}"/>
+                  <a16:creationId xmlns:a16="http://schemas.microsoft.com/office/drawing/2014/main" xmlns="" id="{4A076E03-EA0B-4793-9E56-40BC7A51218F}"/>
                 </a:ext>
               </a:extLst>
             </p:cNvPr>
@@ -17674,7 +17898,7 @@
             <p:cNvPr id="36" name="CaixaDeTexto 35">
               <a:extLst>
                 <a:ext uri="{FF2B5EF4-FFF2-40B4-BE49-F238E27FC236}">
-                  <a16:creationId xmlns:a16="http://schemas.microsoft.com/office/drawing/2014/main" id="{569F385F-D606-4CE6-BBA7-05C970E5191F}"/>
+                  <a16:creationId xmlns:a16="http://schemas.microsoft.com/office/drawing/2014/main" xmlns="" id="{569F385F-D606-4CE6-BBA7-05C970E5191F}"/>
                 </a:ext>
               </a:extLst>
             </p:cNvPr>
@@ -17714,7 +17938,7 @@
           <p:cNvPr id="41" name="Agrupar 40">
             <a:extLst>
               <a:ext uri="{FF2B5EF4-FFF2-40B4-BE49-F238E27FC236}">
-                <a16:creationId xmlns:a16="http://schemas.microsoft.com/office/drawing/2014/main" id="{19900B31-6340-41F1-BC8A-3793A8FFE6C7}"/>
+                <a16:creationId xmlns:a16="http://schemas.microsoft.com/office/drawing/2014/main" xmlns="" id="{19900B31-6340-41F1-BC8A-3793A8FFE6C7}"/>
               </a:ext>
             </a:extLst>
           </p:cNvPr>
@@ -17734,7 +17958,7 @@
             <p:cNvPr id="3" name="Gráfico 2" descr="Programador com preenchimento sólido">
               <a:extLst>
                 <a:ext uri="{FF2B5EF4-FFF2-40B4-BE49-F238E27FC236}">
-                  <a16:creationId xmlns:a16="http://schemas.microsoft.com/office/drawing/2014/main" id="{00CF1084-4AAB-4D83-9326-891002980255}"/>
+                  <a16:creationId xmlns:a16="http://schemas.microsoft.com/office/drawing/2014/main" xmlns="" id="{00CF1084-4AAB-4D83-9326-891002980255}"/>
                 </a:ext>
               </a:extLst>
             </p:cNvPr>
@@ -17747,7 +17971,7 @@
             <a:blip r:embed="rId9">
               <a:extLst>
                 <a:ext uri="{96DAC541-7B7A-43D3-8B79-37D633B846F1}">
-                  <asvg:svgBlip xmlns:asvg="http://schemas.microsoft.com/office/drawing/2016/SVG/main" r:embed="rId10"/>
+                  <asvg:svgBlip xmlns:asvg="http://schemas.microsoft.com/office/drawing/2016/SVG/main" xmlns="" r:embed="rId10"/>
                 </a:ext>
               </a:extLst>
             </a:blip>
@@ -17770,7 +17994,7 @@
             <p:cNvPr id="40" name="CaixaDeTexto 39">
               <a:extLst>
                 <a:ext uri="{FF2B5EF4-FFF2-40B4-BE49-F238E27FC236}">
-                  <a16:creationId xmlns:a16="http://schemas.microsoft.com/office/drawing/2014/main" id="{FBBF5C91-5486-464A-891B-96CE36C91192}"/>
+                  <a16:creationId xmlns:a16="http://schemas.microsoft.com/office/drawing/2014/main" xmlns="" id="{FBBF5C91-5486-464A-891B-96CE36C91192}"/>
                 </a:ext>
               </a:extLst>
             </p:cNvPr>
@@ -17807,7 +18031,7 @@
           <p:cNvPr id="42" name="Conector: Curvo 41">
             <a:extLst>
               <a:ext uri="{FF2B5EF4-FFF2-40B4-BE49-F238E27FC236}">
-                <a16:creationId xmlns:a16="http://schemas.microsoft.com/office/drawing/2014/main" id="{D6F0D65F-14C2-48E7-8D01-79D2BB86F409}"/>
+                <a16:creationId xmlns:a16="http://schemas.microsoft.com/office/drawing/2014/main" xmlns="" id="{D6F0D65F-14C2-48E7-8D01-79D2BB86F409}"/>
               </a:ext>
             </a:extLst>
           </p:cNvPr>
@@ -17851,7 +18075,7 @@
           <p:cNvPr id="47" name="CaixaDeTexto 46">
             <a:extLst>
               <a:ext uri="{FF2B5EF4-FFF2-40B4-BE49-F238E27FC236}">
-                <a16:creationId xmlns:a16="http://schemas.microsoft.com/office/drawing/2014/main" id="{E529AED6-0202-4881-B64F-866A96BA0316}"/>
+                <a16:creationId xmlns:a16="http://schemas.microsoft.com/office/drawing/2014/main" xmlns="" id="{E529AED6-0202-4881-B64F-866A96BA0316}"/>
               </a:ext>
             </a:extLst>
           </p:cNvPr>
@@ -17913,7 +18137,7 @@
           <p:cNvPr id="48" name="Conector: Curvo 47">
             <a:extLst>
               <a:ext uri="{FF2B5EF4-FFF2-40B4-BE49-F238E27FC236}">
-                <a16:creationId xmlns:a16="http://schemas.microsoft.com/office/drawing/2014/main" id="{AD53E631-FFAC-4B82-8589-9F927180DE9B}"/>
+                <a16:creationId xmlns:a16="http://schemas.microsoft.com/office/drawing/2014/main" xmlns="" id="{AD53E631-FFAC-4B82-8589-9F927180DE9B}"/>
               </a:ext>
             </a:extLst>
           </p:cNvPr>
@@ -17954,7 +18178,7 @@
           <p:cNvPr id="53" name="Elipse 52">
             <a:extLst>
               <a:ext uri="{FF2B5EF4-FFF2-40B4-BE49-F238E27FC236}">
-                <a16:creationId xmlns:a16="http://schemas.microsoft.com/office/drawing/2014/main" id="{29A0C470-0778-4149-82CE-E4FD19DD527D}"/>
+                <a16:creationId xmlns:a16="http://schemas.microsoft.com/office/drawing/2014/main" xmlns="" id="{29A0C470-0778-4149-82CE-E4FD19DD527D}"/>
               </a:ext>
             </a:extLst>
           </p:cNvPr>
@@ -18003,7 +18227,7 @@
           <p:cNvPr id="55" name="Elipse 54">
             <a:extLst>
               <a:ext uri="{FF2B5EF4-FFF2-40B4-BE49-F238E27FC236}">
-                <a16:creationId xmlns:a16="http://schemas.microsoft.com/office/drawing/2014/main" id="{37D2E9CA-A051-42EC-B093-AD40ED345123}"/>
+                <a16:creationId xmlns:a16="http://schemas.microsoft.com/office/drawing/2014/main" xmlns="" id="{37D2E9CA-A051-42EC-B093-AD40ED345123}"/>
               </a:ext>
             </a:extLst>
           </p:cNvPr>
@@ -18052,7 +18276,7 @@
           <p:cNvPr id="56" name="Elipse 55">
             <a:extLst>
               <a:ext uri="{FF2B5EF4-FFF2-40B4-BE49-F238E27FC236}">
-                <a16:creationId xmlns:a16="http://schemas.microsoft.com/office/drawing/2014/main" id="{3AC2DC99-D6C5-4D07-A3A8-88F8D5978757}"/>
+                <a16:creationId xmlns:a16="http://schemas.microsoft.com/office/drawing/2014/main" xmlns="" id="{3AC2DC99-D6C5-4D07-A3A8-88F8D5978757}"/>
               </a:ext>
             </a:extLst>
           </p:cNvPr>
@@ -18101,7 +18325,7 @@
           <p:cNvPr id="57" name="Elipse 56">
             <a:extLst>
               <a:ext uri="{FF2B5EF4-FFF2-40B4-BE49-F238E27FC236}">
-                <a16:creationId xmlns:a16="http://schemas.microsoft.com/office/drawing/2014/main" id="{7417E0C4-FDAE-4A63-9384-7D02C3E414DC}"/>
+                <a16:creationId xmlns:a16="http://schemas.microsoft.com/office/drawing/2014/main" xmlns="" id="{7417E0C4-FDAE-4A63-9384-7D02C3E414DC}"/>
               </a:ext>
             </a:extLst>
           </p:cNvPr>
@@ -18150,7 +18374,7 @@
           <p:cNvPr id="58" name="Conector: Curvo 57">
             <a:extLst>
               <a:ext uri="{FF2B5EF4-FFF2-40B4-BE49-F238E27FC236}">
-                <a16:creationId xmlns:a16="http://schemas.microsoft.com/office/drawing/2014/main" id="{A4D64FEA-250D-4201-BCD8-28FBF6B23DDE}"/>
+                <a16:creationId xmlns:a16="http://schemas.microsoft.com/office/drawing/2014/main" xmlns="" id="{A4D64FEA-250D-4201-BCD8-28FBF6B23DDE}"/>
               </a:ext>
             </a:extLst>
           </p:cNvPr>
@@ -18191,7 +18415,7 @@
           <p:cNvPr id="67" name="Elipse 66">
             <a:extLst>
               <a:ext uri="{FF2B5EF4-FFF2-40B4-BE49-F238E27FC236}">
-                <a16:creationId xmlns:a16="http://schemas.microsoft.com/office/drawing/2014/main" id="{9EC1C89B-EB3C-481F-93FB-6E27B29C227E}"/>
+                <a16:creationId xmlns:a16="http://schemas.microsoft.com/office/drawing/2014/main" xmlns="" id="{9EC1C89B-EB3C-481F-93FB-6E27B29C227E}"/>
               </a:ext>
             </a:extLst>
           </p:cNvPr>
@@ -18240,7 +18464,7 @@
           <p:cNvPr id="70" name="Elipse 69">
             <a:extLst>
               <a:ext uri="{FF2B5EF4-FFF2-40B4-BE49-F238E27FC236}">
-                <a16:creationId xmlns:a16="http://schemas.microsoft.com/office/drawing/2014/main" id="{43EF6315-B290-47AD-9740-D8930502E127}"/>
+                <a16:creationId xmlns:a16="http://schemas.microsoft.com/office/drawing/2014/main" xmlns="" id="{43EF6315-B290-47AD-9740-D8930502E127}"/>
               </a:ext>
             </a:extLst>
           </p:cNvPr>
@@ -18289,7 +18513,7 @@
           <p:cNvPr id="73" name="CaixaDeTexto 72">
             <a:extLst>
               <a:ext uri="{FF2B5EF4-FFF2-40B4-BE49-F238E27FC236}">
-                <a16:creationId xmlns:a16="http://schemas.microsoft.com/office/drawing/2014/main" id="{4CE6DDA1-667D-487D-A262-891FD97EFF3B}"/>
+                <a16:creationId xmlns:a16="http://schemas.microsoft.com/office/drawing/2014/main" xmlns="" id="{4CE6DDA1-667D-487D-A262-891FD97EFF3B}"/>
               </a:ext>
             </a:extLst>
           </p:cNvPr>
@@ -18333,7 +18557,7 @@
           <p:cNvPr id="74" name="Conector: Curvo 73">
             <a:extLst>
               <a:ext uri="{FF2B5EF4-FFF2-40B4-BE49-F238E27FC236}">
-                <a16:creationId xmlns:a16="http://schemas.microsoft.com/office/drawing/2014/main" id="{9C80834D-6EF0-4E51-B667-401AD9106B0F}"/>
+                <a16:creationId xmlns:a16="http://schemas.microsoft.com/office/drawing/2014/main" xmlns="" id="{9C80834D-6EF0-4E51-B667-401AD9106B0F}"/>
               </a:ext>
             </a:extLst>
           </p:cNvPr>
@@ -18374,7 +18598,7 @@
           <p:cNvPr id="76" name="Elipse 75">
             <a:extLst>
               <a:ext uri="{FF2B5EF4-FFF2-40B4-BE49-F238E27FC236}">
-                <a16:creationId xmlns:a16="http://schemas.microsoft.com/office/drawing/2014/main" id="{9F98D238-C4B5-4C07-9C4B-2F59320099DC}"/>
+                <a16:creationId xmlns:a16="http://schemas.microsoft.com/office/drawing/2014/main" xmlns="" id="{9F98D238-C4B5-4C07-9C4B-2F59320099DC}"/>
               </a:ext>
             </a:extLst>
           </p:cNvPr>
@@ -18423,7 +18647,7 @@
           <p:cNvPr id="80" name="Agrupar 79">
             <a:extLst>
               <a:ext uri="{FF2B5EF4-FFF2-40B4-BE49-F238E27FC236}">
-                <a16:creationId xmlns:a16="http://schemas.microsoft.com/office/drawing/2014/main" id="{F7E0F952-FA9B-459F-BAEB-FF7E2A60543E}"/>
+                <a16:creationId xmlns:a16="http://schemas.microsoft.com/office/drawing/2014/main" xmlns="" id="{F7E0F952-FA9B-459F-BAEB-FF7E2A60543E}"/>
               </a:ext>
             </a:extLst>
           </p:cNvPr>
@@ -18443,7 +18667,7 @@
             <p:cNvPr id="78" name="Imagem 77" descr="Ícone&#10;&#10;Descrição gerada automaticamente">
               <a:extLst>
                 <a:ext uri="{FF2B5EF4-FFF2-40B4-BE49-F238E27FC236}">
-                  <a16:creationId xmlns:a16="http://schemas.microsoft.com/office/drawing/2014/main" id="{01DAA474-9CC9-45F2-9ADE-2C1923EF37FD}"/>
+                  <a16:creationId xmlns:a16="http://schemas.microsoft.com/office/drawing/2014/main" xmlns="" id="{01DAA474-9CC9-45F2-9ADE-2C1923EF37FD}"/>
                 </a:ext>
               </a:extLst>
             </p:cNvPr>
@@ -18473,7 +18697,7 @@
             <p:cNvPr id="79" name="CaixaDeTexto 78">
               <a:extLst>
                 <a:ext uri="{FF2B5EF4-FFF2-40B4-BE49-F238E27FC236}">
-                  <a16:creationId xmlns:a16="http://schemas.microsoft.com/office/drawing/2014/main" id="{B2126D25-4ADC-4D6C-B97A-D8BC95D3D801}"/>
+                  <a16:creationId xmlns:a16="http://schemas.microsoft.com/office/drawing/2014/main" xmlns="" id="{B2126D25-4ADC-4D6C-B97A-D8BC95D3D801}"/>
                 </a:ext>
               </a:extLst>
             </p:cNvPr>
@@ -18517,7 +18741,7 @@
           <p:cNvPr id="81" name="Conector: Curvo 80">
             <a:extLst>
               <a:ext uri="{FF2B5EF4-FFF2-40B4-BE49-F238E27FC236}">
-                <a16:creationId xmlns:a16="http://schemas.microsoft.com/office/drawing/2014/main" id="{244553DB-A850-4C93-9C1E-855BE928C3F3}"/>
+                <a16:creationId xmlns:a16="http://schemas.microsoft.com/office/drawing/2014/main" xmlns="" id="{244553DB-A850-4C93-9C1E-855BE928C3F3}"/>
               </a:ext>
             </a:extLst>
           </p:cNvPr>
@@ -18558,7 +18782,7 @@
           <p:cNvPr id="85" name="Conector: Curvo 84">
             <a:extLst>
               <a:ext uri="{FF2B5EF4-FFF2-40B4-BE49-F238E27FC236}">
-                <a16:creationId xmlns:a16="http://schemas.microsoft.com/office/drawing/2014/main" id="{53CC8732-99C8-482E-9551-BB23317B996F}"/>
+                <a16:creationId xmlns:a16="http://schemas.microsoft.com/office/drawing/2014/main" xmlns="" id="{53CC8732-99C8-482E-9551-BB23317B996F}"/>
               </a:ext>
             </a:extLst>
           </p:cNvPr>
@@ -18599,7 +18823,7 @@
           <p:cNvPr id="88" name="Elipse 87">
             <a:extLst>
               <a:ext uri="{FF2B5EF4-FFF2-40B4-BE49-F238E27FC236}">
-                <a16:creationId xmlns:a16="http://schemas.microsoft.com/office/drawing/2014/main" id="{7CCAB418-D7E2-43ED-9D5C-6A9D90959C9E}"/>
+                <a16:creationId xmlns:a16="http://schemas.microsoft.com/office/drawing/2014/main" xmlns="" id="{7CCAB418-D7E2-43ED-9D5C-6A9D90959C9E}"/>
               </a:ext>
             </a:extLst>
           </p:cNvPr>
@@ -18648,7 +18872,7 @@
           <p:cNvPr id="90" name="Imagem 89" descr="Ícone&#10;&#10;Descrição gerada automaticamente">
             <a:extLst>
               <a:ext uri="{FF2B5EF4-FFF2-40B4-BE49-F238E27FC236}">
-                <a16:creationId xmlns:a16="http://schemas.microsoft.com/office/drawing/2014/main" id="{2BB550E6-F48C-43A5-A8C6-17F2815D7390}"/>
+                <a16:creationId xmlns:a16="http://schemas.microsoft.com/office/drawing/2014/main" xmlns="" id="{2BB550E6-F48C-43A5-A8C6-17F2815D7390}"/>
               </a:ext>
             </a:extLst>
           </p:cNvPr>
@@ -18678,7 +18902,7 @@
           <p:cNvPr id="92" name="CaixaDeTexto 91">
             <a:extLst>
               <a:ext uri="{FF2B5EF4-FFF2-40B4-BE49-F238E27FC236}">
-                <a16:creationId xmlns:a16="http://schemas.microsoft.com/office/drawing/2014/main" id="{A762910D-5640-43D0-A0DC-0476F358C309}"/>
+                <a16:creationId xmlns:a16="http://schemas.microsoft.com/office/drawing/2014/main" xmlns="" id="{A762910D-5640-43D0-A0DC-0476F358C309}"/>
               </a:ext>
             </a:extLst>
           </p:cNvPr>
@@ -18722,7 +18946,7 @@
           <p:cNvPr id="93" name="Conector: Curvo 92">
             <a:extLst>
               <a:ext uri="{FF2B5EF4-FFF2-40B4-BE49-F238E27FC236}">
-                <a16:creationId xmlns:a16="http://schemas.microsoft.com/office/drawing/2014/main" id="{91550D91-2837-40AC-A47C-AC507C731DD7}"/>
+                <a16:creationId xmlns:a16="http://schemas.microsoft.com/office/drawing/2014/main" xmlns="" id="{91550D91-2837-40AC-A47C-AC507C731DD7}"/>
               </a:ext>
             </a:extLst>
           </p:cNvPr>
@@ -18763,7 +18987,7 @@
           <p:cNvPr id="94" name="Elipse 93">
             <a:extLst>
               <a:ext uri="{FF2B5EF4-FFF2-40B4-BE49-F238E27FC236}">
-                <a16:creationId xmlns:a16="http://schemas.microsoft.com/office/drawing/2014/main" id="{2DBAD100-ED81-4B8D-B9AC-0DEB6EE99103}"/>
+                <a16:creationId xmlns:a16="http://schemas.microsoft.com/office/drawing/2014/main" xmlns="" id="{2DBAD100-ED81-4B8D-B9AC-0DEB6EE99103}"/>
               </a:ext>
             </a:extLst>
           </p:cNvPr>
@@ -18842,7 +19066,7 @@
           <p:cNvPr id="8" name="Imagem 7">
             <a:extLst>
               <a:ext uri="{FF2B5EF4-FFF2-40B4-BE49-F238E27FC236}">
-                <a16:creationId xmlns:a16="http://schemas.microsoft.com/office/drawing/2014/main" id="{027E4BBA-D3A1-4A9F-976C-558990D63648}"/>
+                <a16:creationId xmlns:a16="http://schemas.microsoft.com/office/drawing/2014/main" xmlns="" id="{027E4BBA-D3A1-4A9F-976C-558990D63648}"/>
               </a:ext>
             </a:extLst>
           </p:cNvPr>
@@ -18871,7 +19095,7 @@
           <p:cNvPr id="11" name="Título 1">
             <a:extLst>
               <a:ext uri="{FF2B5EF4-FFF2-40B4-BE49-F238E27FC236}">
-                <a16:creationId xmlns:a16="http://schemas.microsoft.com/office/drawing/2014/main" id="{9CE9007A-94A6-4B29-9285-B1E5520F7F37}"/>
+                <a16:creationId xmlns:a16="http://schemas.microsoft.com/office/drawing/2014/main" xmlns="" id="{9CE9007A-94A6-4B29-9285-B1E5520F7F37}"/>
               </a:ext>
             </a:extLst>
           </p:cNvPr>
@@ -18914,7 +19138,7 @@
           <p:cNvPr id="12" name="Título 1">
             <a:extLst>
               <a:ext uri="{FF2B5EF4-FFF2-40B4-BE49-F238E27FC236}">
-                <a16:creationId xmlns:a16="http://schemas.microsoft.com/office/drawing/2014/main" id="{C31258BF-AEF9-4B9E-BBA7-688B8E9CC9EB}"/>
+                <a16:creationId xmlns:a16="http://schemas.microsoft.com/office/drawing/2014/main" xmlns="" id="{C31258BF-AEF9-4B9E-BBA7-688B8E9CC9EB}"/>
               </a:ext>
             </a:extLst>
           </p:cNvPr>
@@ -19033,7 +19257,7 @@
           <p:cNvPr id="3" name="Imagem 2">
             <a:extLst>
               <a:ext uri="{FF2B5EF4-FFF2-40B4-BE49-F238E27FC236}">
-                <a16:creationId xmlns:a16="http://schemas.microsoft.com/office/drawing/2014/main" id="{26825EEF-BB67-4CB6-8EDE-9457BC0DD41B}"/>
+                <a16:creationId xmlns:a16="http://schemas.microsoft.com/office/drawing/2014/main" xmlns="" id="{26825EEF-BB67-4CB6-8EDE-9457BC0DD41B}"/>
               </a:ext>
             </a:extLst>
           </p:cNvPr>
@@ -19068,7 +19292,7 @@
           <p:cNvPr id="5" name="Imagem 4">
             <a:extLst>
               <a:ext uri="{FF2B5EF4-FFF2-40B4-BE49-F238E27FC236}">
-                <a16:creationId xmlns:a16="http://schemas.microsoft.com/office/drawing/2014/main" id="{6E0841CF-E50A-4445-B7B1-38D172C6E72D}"/>
+                <a16:creationId xmlns:a16="http://schemas.microsoft.com/office/drawing/2014/main" xmlns="" id="{6E0841CF-E50A-4445-B7B1-38D172C6E72D}"/>
               </a:ext>
             </a:extLst>
           </p:cNvPr>
@@ -19098,7 +19322,7 @@
           <p:cNvPr id="9" name="Imagem 8">
             <a:extLst>
               <a:ext uri="{FF2B5EF4-FFF2-40B4-BE49-F238E27FC236}">
-                <a16:creationId xmlns:a16="http://schemas.microsoft.com/office/drawing/2014/main" id="{CDD5133D-3847-48C7-B121-21813FEDFF04}"/>
+                <a16:creationId xmlns:a16="http://schemas.microsoft.com/office/drawing/2014/main" xmlns="" id="{CDD5133D-3847-48C7-B121-21813FEDFF04}"/>
               </a:ext>
             </a:extLst>
           </p:cNvPr>
@@ -19128,7 +19352,7 @@
           <p:cNvPr id="13" name="Imagem 12">
             <a:extLst>
               <a:ext uri="{FF2B5EF4-FFF2-40B4-BE49-F238E27FC236}">
-                <a16:creationId xmlns:a16="http://schemas.microsoft.com/office/drawing/2014/main" id="{EE36229E-47EB-4E5A-9C91-6BD95508C4A6}"/>
+                <a16:creationId xmlns:a16="http://schemas.microsoft.com/office/drawing/2014/main" xmlns="" id="{EE36229E-47EB-4E5A-9C91-6BD95508C4A6}"/>
               </a:ext>
             </a:extLst>
           </p:cNvPr>
@@ -19158,7 +19382,7 @@
           <p:cNvPr id="15" name="Imagem 14">
             <a:extLst>
               <a:ext uri="{FF2B5EF4-FFF2-40B4-BE49-F238E27FC236}">
-                <a16:creationId xmlns:a16="http://schemas.microsoft.com/office/drawing/2014/main" id="{E04B2F85-111D-4629-B614-CE76AF19C778}"/>
+                <a16:creationId xmlns:a16="http://schemas.microsoft.com/office/drawing/2014/main" xmlns="" id="{E04B2F85-111D-4629-B614-CE76AF19C778}"/>
               </a:ext>
             </a:extLst>
           </p:cNvPr>
@@ -19193,7 +19417,7 @@
           <p:cNvPr id="17" name="Imagem 16" descr="Interface gráfica do usuário, Texto, Aplicativo, Email&#10;&#10;Descrição gerada automaticamente">
             <a:extLst>
               <a:ext uri="{FF2B5EF4-FFF2-40B4-BE49-F238E27FC236}">
-                <a16:creationId xmlns:a16="http://schemas.microsoft.com/office/drawing/2014/main" id="{B272950E-1FD9-4A7A-8D42-F269D581F0E1}"/>
+                <a16:creationId xmlns:a16="http://schemas.microsoft.com/office/drawing/2014/main" xmlns="" id="{B272950E-1FD9-4A7A-8D42-F269D581F0E1}"/>
               </a:ext>
             </a:extLst>
           </p:cNvPr>
@@ -19223,7 +19447,7 @@
           <p:cNvPr id="19" name="Imagem 18">
             <a:extLst>
               <a:ext uri="{FF2B5EF4-FFF2-40B4-BE49-F238E27FC236}">
-                <a16:creationId xmlns:a16="http://schemas.microsoft.com/office/drawing/2014/main" id="{E145F2CE-7A75-4028-B284-C74CCE4CA1DF}"/>
+                <a16:creationId xmlns:a16="http://schemas.microsoft.com/office/drawing/2014/main" xmlns="" id="{E145F2CE-7A75-4028-B284-C74CCE4CA1DF}"/>
               </a:ext>
             </a:extLst>
           </p:cNvPr>
@@ -19283,7 +19507,7 @@
           <p:cNvPr id="7" name="Imagem 6">
             <a:extLst>
               <a:ext uri="{FF2B5EF4-FFF2-40B4-BE49-F238E27FC236}">
-                <a16:creationId xmlns:a16="http://schemas.microsoft.com/office/drawing/2014/main" id="{0FF7B821-9B32-449C-9C6E-C34CDC07A95A}"/>
+                <a16:creationId xmlns:a16="http://schemas.microsoft.com/office/drawing/2014/main" xmlns="" id="{0FF7B821-9B32-449C-9C6E-C34CDC07A95A}"/>
               </a:ext>
             </a:extLst>
           </p:cNvPr>
@@ -19312,7 +19536,7 @@
           <p:cNvPr id="8" name="Diagrama 7">
             <a:extLst>
               <a:ext uri="{FF2B5EF4-FFF2-40B4-BE49-F238E27FC236}">
-                <a16:creationId xmlns:a16="http://schemas.microsoft.com/office/drawing/2014/main" id="{BCF98A01-8A27-433B-84ED-88D9BBBCD40E}"/>
+                <a16:creationId xmlns:a16="http://schemas.microsoft.com/office/drawing/2014/main" xmlns="" id="{BCF98A01-8A27-433B-84ED-88D9BBBCD40E}"/>
               </a:ext>
             </a:extLst>
           </p:cNvPr>
@@ -19340,7 +19564,7 @@
           <p:cNvPr id="11" name="Título 1">
             <a:extLst>
               <a:ext uri="{FF2B5EF4-FFF2-40B4-BE49-F238E27FC236}">
-                <a16:creationId xmlns:a16="http://schemas.microsoft.com/office/drawing/2014/main" id="{AF9C5B03-CBD2-446C-B1EA-3318513CEBE0}"/>
+                <a16:creationId xmlns:a16="http://schemas.microsoft.com/office/drawing/2014/main" xmlns="" id="{AF9C5B03-CBD2-446C-B1EA-3318513CEBE0}"/>
               </a:ext>
             </a:extLst>
           </p:cNvPr>
@@ -19383,7 +19607,7 @@
           <p:cNvPr id="12" name="Título 1">
             <a:extLst>
               <a:ext uri="{FF2B5EF4-FFF2-40B4-BE49-F238E27FC236}">
-                <a16:creationId xmlns:a16="http://schemas.microsoft.com/office/drawing/2014/main" id="{8018FC20-B355-43D2-B8A2-BEDDC71ADBA2}"/>
+                <a16:creationId xmlns:a16="http://schemas.microsoft.com/office/drawing/2014/main" xmlns="" id="{8018FC20-B355-43D2-B8A2-BEDDC71ADBA2}"/>
               </a:ext>
             </a:extLst>
           </p:cNvPr>
@@ -19532,7 +19756,7 @@
           <p:cNvPr id="5" name="Espaço Reservado para Conteúdo 2" descr="Linha do tempo do SmartArt">
             <a:extLst>
               <a:ext uri="{FF2B5EF4-FFF2-40B4-BE49-F238E27FC236}">
-                <a16:creationId xmlns:a16="http://schemas.microsoft.com/office/drawing/2014/main" id="{3482D096-AEF7-42A2-9733-8437ACF545D2}"/>
+                <a16:creationId xmlns:a16="http://schemas.microsoft.com/office/drawing/2014/main" xmlns="" id="{3482D096-AEF7-42A2-9733-8437ACF545D2}"/>
               </a:ext>
             </a:extLst>
           </p:cNvPr>
@@ -19563,7 +19787,7 @@
           <p:cNvPr id="6" name="Imagem 5">
             <a:extLst>
               <a:ext uri="{FF2B5EF4-FFF2-40B4-BE49-F238E27FC236}">
-                <a16:creationId xmlns:a16="http://schemas.microsoft.com/office/drawing/2014/main" id="{3D3749F2-E890-4ACA-A335-068911521689}"/>
+                <a16:creationId xmlns:a16="http://schemas.microsoft.com/office/drawing/2014/main" xmlns="" id="{3D3749F2-E890-4ACA-A335-068911521689}"/>
               </a:ext>
             </a:extLst>
           </p:cNvPr>
@@ -19592,7 +19816,7 @@
           <p:cNvPr id="8" name="Título 1">
             <a:extLst>
               <a:ext uri="{FF2B5EF4-FFF2-40B4-BE49-F238E27FC236}">
-                <a16:creationId xmlns:a16="http://schemas.microsoft.com/office/drawing/2014/main" id="{97FD5D73-5E66-4FEE-BA4C-5B7E53AC080A}"/>
+                <a16:creationId xmlns:a16="http://schemas.microsoft.com/office/drawing/2014/main" xmlns="" id="{97FD5D73-5E66-4FEE-BA4C-5B7E53AC080A}"/>
               </a:ext>
             </a:extLst>
           </p:cNvPr>
@@ -19635,7 +19859,7 @@
           <p:cNvPr id="9" name="Título 1">
             <a:extLst>
               <a:ext uri="{FF2B5EF4-FFF2-40B4-BE49-F238E27FC236}">
-                <a16:creationId xmlns:a16="http://schemas.microsoft.com/office/drawing/2014/main" id="{F7916772-F5A5-4379-94A1-307CA6A92515}"/>
+                <a16:creationId xmlns:a16="http://schemas.microsoft.com/office/drawing/2014/main" xmlns="" id="{F7916772-F5A5-4379-94A1-307CA6A92515}"/>
               </a:ext>
             </a:extLst>
           </p:cNvPr>
@@ -19784,7 +20008,7 @@
           <p:cNvPr id="7" name="Imagem 6">
             <a:extLst>
               <a:ext uri="{FF2B5EF4-FFF2-40B4-BE49-F238E27FC236}">
-                <a16:creationId xmlns:a16="http://schemas.microsoft.com/office/drawing/2014/main" id="{F156FAD7-6C7A-48BD-92AC-796AC9B38F3C}"/>
+                <a16:creationId xmlns:a16="http://schemas.microsoft.com/office/drawing/2014/main" xmlns="" id="{F156FAD7-6C7A-48BD-92AC-796AC9B38F3C}"/>
               </a:ext>
             </a:extLst>
           </p:cNvPr>
@@ -19813,7 +20037,7 @@
           <p:cNvPr id="10" name="Título 1">
             <a:extLst>
               <a:ext uri="{FF2B5EF4-FFF2-40B4-BE49-F238E27FC236}">
-                <a16:creationId xmlns:a16="http://schemas.microsoft.com/office/drawing/2014/main" id="{96A398A0-021D-4B16-A883-3258744B5DB3}"/>
+                <a16:creationId xmlns:a16="http://schemas.microsoft.com/office/drawing/2014/main" xmlns="" id="{96A398A0-021D-4B16-A883-3258744B5DB3}"/>
               </a:ext>
             </a:extLst>
           </p:cNvPr>
@@ -19856,7 +20080,7 @@
           <p:cNvPr id="11" name="Título 1">
             <a:extLst>
               <a:ext uri="{FF2B5EF4-FFF2-40B4-BE49-F238E27FC236}">
-                <a16:creationId xmlns:a16="http://schemas.microsoft.com/office/drawing/2014/main" id="{8F2930FD-5DC3-45C0-9746-43D282694702}"/>
+                <a16:creationId xmlns:a16="http://schemas.microsoft.com/office/drawing/2014/main" xmlns="" id="{8F2930FD-5DC3-45C0-9746-43D282694702}"/>
               </a:ext>
             </a:extLst>
           </p:cNvPr>
@@ -19975,7 +20199,7 @@
           <p:cNvPr id="2" name="CaixaDeTexto 1">
             <a:extLst>
               <a:ext uri="{FF2B5EF4-FFF2-40B4-BE49-F238E27FC236}">
-                <a16:creationId xmlns:a16="http://schemas.microsoft.com/office/drawing/2014/main" id="{E5F29033-FAC1-44BA-8009-F7BBFCEF142D}"/>
+                <a16:creationId xmlns:a16="http://schemas.microsoft.com/office/drawing/2014/main" xmlns="" id="{E5F29033-FAC1-44BA-8009-F7BBFCEF142D}"/>
               </a:ext>
             </a:extLst>
           </p:cNvPr>
@@ -20040,7 +20264,7 @@
           <p:cNvPr id="9" name="Gráfico 8" descr="Mãos aplaudindo estrutura de tópicos">
             <a:extLst>
               <a:ext uri="{FF2B5EF4-FFF2-40B4-BE49-F238E27FC236}">
-                <a16:creationId xmlns:a16="http://schemas.microsoft.com/office/drawing/2014/main" id="{64530722-02D7-4F25-A571-29FB36A0C863}"/>
+                <a16:creationId xmlns:a16="http://schemas.microsoft.com/office/drawing/2014/main" xmlns="" id="{64530722-02D7-4F25-A571-29FB36A0C863}"/>
               </a:ext>
             </a:extLst>
           </p:cNvPr>
@@ -20053,7 +20277,7 @@
           <a:blip r:embed="rId4">
             <a:extLst>
               <a:ext uri="{96DAC541-7B7A-43D3-8B79-37D633B846F1}">
-                <asvg:svgBlip xmlns:asvg="http://schemas.microsoft.com/office/drawing/2016/SVG/main" r:embed="rId5"/>
+                <asvg:svgBlip xmlns:asvg="http://schemas.microsoft.com/office/drawing/2016/SVG/main" xmlns="" r:embed="rId5"/>
               </a:ext>
             </a:extLst>
           </a:blip>
@@ -20127,7 +20351,7 @@
     </a:clrScheme>
     <a:fontScheme name="Dividend">
       <a:majorFont>
-        <a:latin typeface="Franklin Gothic Demi" panose="020B0502020104020203"/>
+        <a:latin typeface="Franklin Gothic Demi"/>
         <a:ea typeface=""/>
         <a:cs typeface=""/>
         <a:font script="Grek" typeface="Corbel"/>
@@ -20164,7 +20388,7 @@
         <a:font script="Geor" typeface="Sylfaen"/>
       </a:majorFont>
       <a:minorFont>
-        <a:latin typeface="Franklin Gothic Book" panose="020B0502020104020203"/>
+        <a:latin typeface="Franklin Gothic Book"/>
         <a:ea typeface=""/>
         <a:cs typeface=""/>
         <a:font script="Grek" typeface="Corbel"/>
@@ -20347,7 +20571,7 @@
   <a:extraClrSchemeLst/>
   <a:extLst>
     <a:ext uri="{05A4C25C-085E-4340-85A3-A5531E510DB2}">
-      <thm15:themeFamily xmlns:thm15="http://schemas.microsoft.com/office/thememl/2012/main" name="Office_44285762_TF67061901.potx" id="{B0126283-9167-458A-9E04-1FB5DFBD5440}" vid="{B24FB746-F621-4D76-8E37-0BA2134D9FBE}"/>
+      <thm15:themeFamily xmlns:thm15="http://schemas.microsoft.com/office/thememl/2012/main" xmlns="" name="Office_44285762_TF67061901.potx" id="{B0126283-9167-458A-9E04-1FB5DFBD5440}" vid="{B24FB746-F621-4D76-8E37-0BA2134D9FBE}"/>
     </a:ext>
   </a:extLst>
 </a:theme>
@@ -20396,7 +20620,7 @@
     </a:clrScheme>
     <a:fontScheme name="Office">
       <a:majorFont>
-        <a:latin typeface="Calibri Light" panose="020F0302020204030204"/>
+        <a:latin typeface="Calibri Light"/>
         <a:ea typeface=""/>
         <a:cs typeface=""/>
         <a:font script="Jpan" typeface="游ゴシック Light"/>
@@ -20431,7 +20655,7 @@
         <a:font script="Geor" typeface="Sylfaen"/>
       </a:majorFont>
       <a:minorFont>
-        <a:latin typeface="Calibri" panose="020F0502020204030204"/>
+        <a:latin typeface="Calibri"/>
         <a:ea typeface=""/>
         <a:cs typeface=""/>
         <a:font script="Jpan" typeface="游ゴシック"/>
@@ -20608,7 +20832,7 @@
   <a:extraClrSchemeLst/>
   <a:extLst>
     <a:ext uri="{05A4C25C-085E-4340-85A3-A5531E510DB2}">
-      <thm15:themeFamily xmlns:thm15="http://schemas.microsoft.com/office/thememl/2012/main" name="Office Theme" id="{62F939B6-93AF-4DB8-9C6B-D6C7DFDC589F}" vid="{4A3C46E8-61CC-4603-A589-7422A47A8E4A}"/>
+      <thm15:themeFamily xmlns:thm15="http://schemas.microsoft.com/office/thememl/2012/main" xmlns="" name="Office Theme" id="{62F939B6-93AF-4DB8-9C6B-D6C7DFDC589F}" vid="{4A3C46E8-61CC-4603-A589-7422A47A8E4A}"/>
     </a:ext>
   </a:extLst>
 </a:theme>
@@ -20657,7 +20881,7 @@
     </a:clrScheme>
     <a:fontScheme name="Office">
       <a:majorFont>
-        <a:latin typeface="Calibri Light" panose="020F0302020204030204"/>
+        <a:latin typeface="Calibri Light"/>
         <a:ea typeface=""/>
         <a:cs typeface=""/>
         <a:font script="Jpan" typeface="游ゴシック Light"/>
@@ -20692,7 +20916,7 @@
         <a:font script="Geor" typeface="Sylfaen"/>
       </a:majorFont>
       <a:minorFont>
-        <a:latin typeface="Calibri" panose="020F0502020204030204"/>
+        <a:latin typeface="Calibri"/>
         <a:ea typeface=""/>
         <a:cs typeface=""/>
         <a:font script="Jpan" typeface="游ゴシック"/>
@@ -20869,13 +21093,31 @@
   <a:extraClrSchemeLst/>
   <a:extLst>
     <a:ext uri="{05A4C25C-085E-4340-85A3-A5531E510DB2}">
-      <thm15:themeFamily xmlns:thm15="http://schemas.microsoft.com/office/thememl/2012/main" name="Office Theme" id="{62F939B6-93AF-4DB8-9C6B-D6C7DFDC589F}" vid="{4A3C46E8-61CC-4603-A589-7422A47A8E4A}"/>
+      <thm15:themeFamily xmlns:thm15="http://schemas.microsoft.com/office/thememl/2012/main" xmlns="" name="Office Theme" id="{62F939B6-93AF-4DB8-9C6B-D6C7DFDC589F}" vid="{4A3C46E8-61CC-4603-A589-7422A47A8E4A}"/>
     </a:ext>
   </a:extLst>
 </a:theme>
 </file>
 
 <file path=customXml/item1.xml><?xml version="1.0" encoding="utf-8"?>
+<?mso-contentType ?>
+<FormTemplates xmlns="http://schemas.microsoft.com/sharepoint/v3/contenttype/forms">
+  <Display>DocumentLibraryForm</Display>
+  <Edit>DocumentLibraryForm</Edit>
+  <New>DocumentLibraryForm</New>
+</FormTemplates>
+</file>
+
+<file path=customXml/item2.xml><?xml version="1.0" encoding="utf-8"?>
+<p:properties xmlns:p="http://schemas.microsoft.com/office/2006/metadata/properties" xmlns:xsi="http://www.w3.org/2001/XMLSchema-instance" xmlns:pc="http://schemas.microsoft.com/office/infopath/2007/PartnerControls">
+  <documentManagement>
+    <Status xmlns="71af3243-3dd4-4a8d-8c0d-dd76da1f02a5">Not started</Status>
+    <MediaServiceKeyPoints xmlns="71af3243-3dd4-4a8d-8c0d-dd76da1f02a5" xsi:nil="true"/>
+  </documentManagement>
+</p:properties>
+</file>
+
+<file path=customXml/item3.xml><?xml version="1.0" encoding="utf-8"?>
 <ct:contentTypeSchema xmlns:ct="http://schemas.microsoft.com/office/2006/metadata/contentType" xmlns:ma="http://schemas.microsoft.com/office/2006/metadata/properties/metaAttributes" ct:_="" ma:_="" ma:contentTypeName="Document" ma:contentTypeID="0x01010079F111ED35F8CC479449609E8A0923A6" ma:contentTypeVersion="12" ma:contentTypeDescription="Create a new document." ma:contentTypeScope="" ma:versionID="a410dd7f93c95333ffa1b60ed6adedd1">
   <xsd:schema xmlns:xsd="http://www.w3.org/2001/XMLSchema" xmlns:xs="http://www.w3.org/2001/XMLSchema" xmlns:p="http://schemas.microsoft.com/office/2006/metadata/properties" xmlns:ns2="71af3243-3dd4-4a8d-8c0d-dd76da1f02a5" xmlns:ns3="16c05727-aa75-4e4a-9b5f-8a80a1165891" targetNamespace="http://schemas.microsoft.com/office/2006/metadata/properties" ma:root="true" ma:fieldsID="a936d9baba76aa3866493feff160faab" ns2:_="" ns3:_="">
     <xsd:import namespace="71af3243-3dd4-4a8d-8c0d-dd76da1f02a5"/>
@@ -21096,25 +21338,32 @@
 </ct:contentTypeSchema>
 </file>
 
-<file path=customXml/item2.xml><?xml version="1.0" encoding="utf-8"?>
-<p:properties xmlns:p="http://schemas.microsoft.com/office/2006/metadata/properties" xmlns:xsi="http://www.w3.org/2001/XMLSchema-instance" xmlns:pc="http://schemas.microsoft.com/office/infopath/2007/PartnerControls">
-  <documentManagement>
-    <Status xmlns="71af3243-3dd4-4a8d-8c0d-dd76da1f02a5">Not started</Status>
-    <MediaServiceKeyPoints xmlns="71af3243-3dd4-4a8d-8c0d-dd76da1f02a5" xsi:nil="true"/>
-  </documentManagement>
-</p:properties>
+<file path=customXml/itemProps1.xml><?xml version="1.0" encoding="utf-8"?>
+<ds:datastoreItem xmlns:ds="http://schemas.openxmlformats.org/officeDocument/2006/customXml" ds:itemID="{BB3242A4-1E6A-4E02-809C-4A24066EC01D}">
+  <ds:schemaRefs>
+    <ds:schemaRef ds:uri="http://schemas.microsoft.com/sharepoint/v3/contenttype/forms"/>
+  </ds:schemaRefs>
+</ds:datastoreItem>
 </file>
 
-<file path=customXml/item3.xml><?xml version="1.0" encoding="utf-8"?>
-<?mso-contentType ?>
-<FormTemplates xmlns="http://schemas.microsoft.com/sharepoint/v3/contenttype/forms">
-  <Display>DocumentLibraryForm</Display>
-  <Edit>DocumentLibraryForm</Edit>
-  <New>DocumentLibraryForm</New>
-</FormTemplates>
+<file path=customXml/itemProps2.xml><?xml version="1.0" encoding="utf-8"?>
+<ds:datastoreItem xmlns:ds="http://schemas.openxmlformats.org/officeDocument/2006/customXml" ds:itemID="{FBD2D995-20F0-4C14-BF62-1248AB4B484D}">
+  <ds:schemaRefs>
+    <ds:schemaRef ds:uri="http://schemas.microsoft.com/office/2006/metadata/properties"/>
+    <ds:schemaRef ds:uri="http://schemas.microsoft.com/office/2006/documentManagement/types"/>
+    <ds:schemaRef ds:uri="http://purl.org/dc/terms/"/>
+    <ds:schemaRef ds:uri="http://schemas.openxmlformats.org/package/2006/metadata/core-properties"/>
+    <ds:schemaRef ds:uri="16c05727-aa75-4e4a-9b5f-8a80a1165891"/>
+    <ds:schemaRef ds:uri="http://purl.org/dc/dcmitype/"/>
+    <ds:schemaRef ds:uri="http://schemas.microsoft.com/office/infopath/2007/PartnerControls"/>
+    <ds:schemaRef ds:uri="http://purl.org/dc/elements/1.1/"/>
+    <ds:schemaRef ds:uri="71af3243-3dd4-4a8d-8c0d-dd76da1f02a5"/>
+    <ds:schemaRef ds:uri="http://www.w3.org/XML/1998/namespace"/>
+  </ds:schemaRefs>
+</ds:datastoreItem>
 </file>
 
-<file path=customXml/itemProps1.xml><?xml version="1.0" encoding="utf-8"?>
+<file path=customXml/itemProps3.xml><?xml version="1.0" encoding="utf-8"?>
 <ds:datastoreItem xmlns:ds="http://schemas.openxmlformats.org/officeDocument/2006/customXml" ds:itemID="{965255AC-12AC-4323-AA35-9BAC798B66BD}">
   <ds:schemaRefs>
     <ds:schemaRef ds:uri="http://schemas.microsoft.com/office/2006/metadata/contentType"/>
@@ -21131,22 +21380,4 @@
     <ds:schemaRef ds:uri="http://schemas.microsoft.com/internal/obd"/>
   </ds:schemaRefs>
 </ds:datastoreItem>
-</file>
-
-<file path=customXml/itemProps2.xml><?xml version="1.0" encoding="utf-8"?>
-<ds:datastoreItem xmlns:ds="http://schemas.openxmlformats.org/officeDocument/2006/customXml" ds:itemID="{FBD2D995-20F0-4C14-BF62-1248AB4B484D}">
-  <ds:schemaRefs>
-    <ds:schemaRef ds:uri="http://schemas.microsoft.com/office/2006/metadata/properties"/>
-    <ds:schemaRef ds:uri="http://schemas.microsoft.com/office/infopath/2007/PartnerControls"/>
-    <ds:schemaRef ds:uri="71af3243-3dd4-4a8d-8c0d-dd76da1f02a5"/>
-  </ds:schemaRefs>
-</ds:datastoreItem>
-</file>
-
-<file path=customXml/itemProps3.xml><?xml version="1.0" encoding="utf-8"?>
-<ds:datastoreItem xmlns:ds="http://schemas.openxmlformats.org/officeDocument/2006/customXml" ds:itemID="{BB3242A4-1E6A-4E02-809C-4A24066EC01D}">
-  <ds:schemaRefs>
-    <ds:schemaRef ds:uri="http://schemas.microsoft.com/sharepoint/v3/contenttype/forms"/>
-  </ds:schemaRefs>
-</ds:datastoreItem>
 </file>